--- a/docs/Team 10 Presentation.pptx
+++ b/docs/Team 10 Presentation.pptx
@@ -5,7 +5,7 @@
     <p:sldMasterId id="2147483660" r:id="rId1"/>
   </p:sldMasterIdLst>
   <p:notesMasterIdLst>
-    <p:notesMasterId r:id="rId45"/>
+    <p:notesMasterId r:id="rId43"/>
   </p:notesMasterIdLst>
   <p:sldIdLst>
     <p:sldId id="256" r:id="rId2"/>
@@ -24,50 +24,48 @@
     <p:sldId id="322" r:id="rId15"/>
     <p:sldId id="324" r:id="rId16"/>
     <p:sldId id="325" r:id="rId17"/>
-    <p:sldId id="326" r:id="rId18"/>
-    <p:sldId id="327" r:id="rId19"/>
-    <p:sldId id="288" r:id="rId20"/>
-    <p:sldId id="300" r:id="rId21"/>
-    <p:sldId id="301" r:id="rId22"/>
-    <p:sldId id="302" r:id="rId23"/>
-    <p:sldId id="303" r:id="rId24"/>
-    <p:sldId id="304" r:id="rId25"/>
-    <p:sldId id="289" r:id="rId26"/>
-    <p:sldId id="306" r:id="rId27"/>
-    <p:sldId id="305" r:id="rId28"/>
-    <p:sldId id="307" r:id="rId29"/>
-    <p:sldId id="292" r:id="rId30"/>
-    <p:sldId id="308" r:id="rId31"/>
-    <p:sldId id="309" r:id="rId32"/>
-    <p:sldId id="310" r:id="rId33"/>
-    <p:sldId id="330" r:id="rId34"/>
-    <p:sldId id="290" r:id="rId35"/>
-    <p:sldId id="316" r:id="rId36"/>
-    <p:sldId id="317" r:id="rId37"/>
-    <p:sldId id="314" r:id="rId38"/>
-    <p:sldId id="313" r:id="rId39"/>
-    <p:sldId id="315" r:id="rId40"/>
-    <p:sldId id="329" r:id="rId41"/>
-    <p:sldId id="331" r:id="rId42"/>
-    <p:sldId id="311" r:id="rId43"/>
-    <p:sldId id="312" r:id="rId44"/>
+    <p:sldId id="288" r:id="rId18"/>
+    <p:sldId id="300" r:id="rId19"/>
+    <p:sldId id="301" r:id="rId20"/>
+    <p:sldId id="302" r:id="rId21"/>
+    <p:sldId id="303" r:id="rId22"/>
+    <p:sldId id="304" r:id="rId23"/>
+    <p:sldId id="289" r:id="rId24"/>
+    <p:sldId id="306" r:id="rId25"/>
+    <p:sldId id="305" r:id="rId26"/>
+    <p:sldId id="307" r:id="rId27"/>
+    <p:sldId id="292" r:id="rId28"/>
+    <p:sldId id="308" r:id="rId29"/>
+    <p:sldId id="309" r:id="rId30"/>
+    <p:sldId id="310" r:id="rId31"/>
+    <p:sldId id="330" r:id="rId32"/>
+    <p:sldId id="290" r:id="rId33"/>
+    <p:sldId id="316" r:id="rId34"/>
+    <p:sldId id="317" r:id="rId35"/>
+    <p:sldId id="314" r:id="rId36"/>
+    <p:sldId id="313" r:id="rId37"/>
+    <p:sldId id="315" r:id="rId38"/>
+    <p:sldId id="329" r:id="rId39"/>
+    <p:sldId id="331" r:id="rId40"/>
+    <p:sldId id="311" r:id="rId41"/>
+    <p:sldId id="312" r:id="rId42"/>
   </p:sldIdLst>
   <p:sldSz cx="9144000" cy="5143500" type="screen16x9"/>
   <p:notesSz cx="6858000" cy="9144000"/>
   <p:embeddedFontLst>
     <p:embeddedFont>
       <p:font typeface="Fira Sans Extra Condensed Medium" panose="020B0604020202020204" charset="0"/>
-      <p:regular r:id="rId46"/>
-      <p:bold r:id="rId47"/>
-      <p:italic r:id="rId48"/>
-      <p:boldItalic r:id="rId49"/>
+      <p:regular r:id="rId44"/>
+      <p:bold r:id="rId45"/>
+      <p:italic r:id="rId46"/>
+      <p:boldItalic r:id="rId47"/>
     </p:embeddedFont>
     <p:embeddedFont>
       <p:font typeface="Roboto" panose="02000000000000000000" pitchFamily="2" charset="0"/>
-      <p:regular r:id="rId50"/>
-      <p:bold r:id="rId51"/>
-      <p:italic r:id="rId52"/>
-      <p:boldItalic r:id="rId53"/>
+      <p:regular r:id="rId48"/>
+      <p:bold r:id="rId49"/>
+      <p:italic r:id="rId50"/>
+      <p:boldItalic r:id="rId51"/>
     </p:embeddedFont>
   </p:embeddedFontLst>
   <p:defaultTextStyle>
@@ -15493,260 +15491,6 @@
   <p:cSld>
     <p:spTree>
       <p:nvGrpSpPr>
-        <p:cNvPr id="1" name="Shape 122">
-          <a:extLst>
-            <a:ext uri="{FF2B5EF4-FFF2-40B4-BE49-F238E27FC236}">
-              <a16:creationId xmlns:a16="http://schemas.microsoft.com/office/drawing/2014/main" id="{631424A9-0C42-587D-57A1-AFC5CD963970}"/>
-            </a:ext>
-          </a:extLst>
-        </p:cNvPr>
-        <p:cNvGrpSpPr/>
-        <p:nvPr/>
-      </p:nvGrpSpPr>
-      <p:grpSpPr>
-        <a:xfrm>
-          <a:off x="0" y="0"/>
-          <a:ext cx="0" cy="0"/>
-          <a:chOff x="0" y="0"/>
-          <a:chExt cx="0" cy="0"/>
-        </a:xfrm>
-      </p:grpSpPr>
-      <p:sp>
-        <p:nvSpPr>
-          <p:cNvPr id="123" name="Google Shape;123;g8a22a4a535_2_878:notes">
-            <a:extLst>
-              <a:ext uri="{FF2B5EF4-FFF2-40B4-BE49-F238E27FC236}">
-                <a16:creationId xmlns:a16="http://schemas.microsoft.com/office/drawing/2014/main" id="{187B59A6-43E8-1E3C-9622-5BF799DCA18E}"/>
-              </a:ext>
-            </a:extLst>
-          </p:cNvPr>
-          <p:cNvSpPr>
-            <a:spLocks noGrp="1" noRot="1" noChangeAspect="1"/>
-          </p:cNvSpPr>
-          <p:nvPr>
-            <p:ph type="sldImg" idx="2"/>
-          </p:nvPr>
-        </p:nvSpPr>
-        <p:spPr>
-          <a:xfrm>
-            <a:off x="381000" y="685800"/>
-            <a:ext cx="6096000" cy="3429000"/>
-          </a:xfrm>
-          <a:custGeom>
-            <a:avLst/>
-            <a:gdLst/>
-            <a:ahLst/>
-            <a:cxnLst/>
-            <a:rect l="l" t="t" r="r" b="b"/>
-            <a:pathLst>
-              <a:path w="120000" h="120000" extrusionOk="0">
-                <a:moveTo>
-                  <a:pt x="0" y="0"/>
-                </a:moveTo>
-                <a:lnTo>
-                  <a:pt x="120000" y="0"/>
-                </a:lnTo>
-                <a:lnTo>
-                  <a:pt x="120000" y="120000"/>
-                </a:lnTo>
-                <a:lnTo>
-                  <a:pt x="0" y="120000"/>
-                </a:lnTo>
-                <a:close/>
-              </a:path>
-            </a:pathLst>
-          </a:custGeom>
-        </p:spPr>
-      </p:sp>
-      <p:sp>
-        <p:nvSpPr>
-          <p:cNvPr id="124" name="Google Shape;124;g8a22a4a535_2_878:notes">
-            <a:extLst>
-              <a:ext uri="{FF2B5EF4-FFF2-40B4-BE49-F238E27FC236}">
-                <a16:creationId xmlns:a16="http://schemas.microsoft.com/office/drawing/2014/main" id="{9C2684C4-7066-1E02-16EE-96E45E8752F1}"/>
-              </a:ext>
-            </a:extLst>
-          </p:cNvPr>
-          <p:cNvSpPr txBox="1">
-            <a:spLocks noGrp="1"/>
-          </p:cNvSpPr>
-          <p:nvPr>
-            <p:ph type="body" idx="1"/>
-          </p:nvPr>
-        </p:nvSpPr>
-        <p:spPr>
-          <a:xfrm>
-            <a:off x="685800" y="4343400"/>
-            <a:ext cx="5486400" cy="4114800"/>
-          </a:xfrm>
-          <a:prstGeom prst="rect">
-            <a:avLst/>
-          </a:prstGeom>
-        </p:spPr>
-        <p:txBody>
-          <a:bodyPr spcFirstLastPara="1" wrap="square" lIns="91425" tIns="91425" rIns="91425" bIns="91425" anchor="t" anchorCtr="0">
-            <a:noAutofit/>
-          </a:bodyPr>
-          <a:lstStyle/>
-          <a:p>
-            <a:pPr marL="0" lvl="0" indent="0" algn="l" rtl="0">
-              <a:spcBef>
-                <a:spcPts val="0"/>
-              </a:spcBef>
-              <a:spcAft>
-                <a:spcPts val="0"/>
-              </a:spcAft>
-              <a:buNone/>
-            </a:pPr>
-            <a:endParaRPr/>
-          </a:p>
-        </p:txBody>
-      </p:sp>
-    </p:spTree>
-    <p:extLst>
-      <p:ext uri="{BB962C8B-B14F-4D97-AF65-F5344CB8AC3E}">
-        <p14:creationId xmlns:p14="http://schemas.microsoft.com/office/powerpoint/2010/main" val="3970781071"/>
-      </p:ext>
-    </p:extLst>
-  </p:cSld>
-  <p:clrMapOvr>
-    <a:masterClrMapping/>
-  </p:clrMapOvr>
-</p:notes>
-</file>
-
-<file path=ppt/notesSlides/notesSlide18.xml><?xml version="1.0" encoding="utf-8"?>
-<p:notes xmlns:a="http://schemas.openxmlformats.org/drawingml/2006/main" xmlns:r="http://schemas.openxmlformats.org/officeDocument/2006/relationships" xmlns:p="http://schemas.openxmlformats.org/presentationml/2006/main" showMasterSp="0" showMasterPhAnim="0">
-  <p:cSld>
-    <p:spTree>
-      <p:nvGrpSpPr>
-        <p:cNvPr id="1" name="Shape 122">
-          <a:extLst>
-            <a:ext uri="{FF2B5EF4-FFF2-40B4-BE49-F238E27FC236}">
-              <a16:creationId xmlns:a16="http://schemas.microsoft.com/office/drawing/2014/main" id="{03B7F703-014A-82B8-5DEC-E40291E8C471}"/>
-            </a:ext>
-          </a:extLst>
-        </p:cNvPr>
-        <p:cNvGrpSpPr/>
-        <p:nvPr/>
-      </p:nvGrpSpPr>
-      <p:grpSpPr>
-        <a:xfrm>
-          <a:off x="0" y="0"/>
-          <a:ext cx="0" cy="0"/>
-          <a:chOff x="0" y="0"/>
-          <a:chExt cx="0" cy="0"/>
-        </a:xfrm>
-      </p:grpSpPr>
-      <p:sp>
-        <p:nvSpPr>
-          <p:cNvPr id="123" name="Google Shape;123;g8a22a4a535_2_878:notes">
-            <a:extLst>
-              <a:ext uri="{FF2B5EF4-FFF2-40B4-BE49-F238E27FC236}">
-                <a16:creationId xmlns:a16="http://schemas.microsoft.com/office/drawing/2014/main" id="{D32DD520-6EF7-CE7D-B831-2B15AF9D8D69}"/>
-              </a:ext>
-            </a:extLst>
-          </p:cNvPr>
-          <p:cNvSpPr>
-            <a:spLocks noGrp="1" noRot="1" noChangeAspect="1"/>
-          </p:cNvSpPr>
-          <p:nvPr>
-            <p:ph type="sldImg" idx="2"/>
-          </p:nvPr>
-        </p:nvSpPr>
-        <p:spPr>
-          <a:xfrm>
-            <a:off x="381000" y="685800"/>
-            <a:ext cx="6096000" cy="3429000"/>
-          </a:xfrm>
-          <a:custGeom>
-            <a:avLst/>
-            <a:gdLst/>
-            <a:ahLst/>
-            <a:cxnLst/>
-            <a:rect l="l" t="t" r="r" b="b"/>
-            <a:pathLst>
-              <a:path w="120000" h="120000" extrusionOk="0">
-                <a:moveTo>
-                  <a:pt x="0" y="0"/>
-                </a:moveTo>
-                <a:lnTo>
-                  <a:pt x="120000" y="0"/>
-                </a:lnTo>
-                <a:lnTo>
-                  <a:pt x="120000" y="120000"/>
-                </a:lnTo>
-                <a:lnTo>
-                  <a:pt x="0" y="120000"/>
-                </a:lnTo>
-                <a:close/>
-              </a:path>
-            </a:pathLst>
-          </a:custGeom>
-        </p:spPr>
-      </p:sp>
-      <p:sp>
-        <p:nvSpPr>
-          <p:cNvPr id="124" name="Google Shape;124;g8a22a4a535_2_878:notes">
-            <a:extLst>
-              <a:ext uri="{FF2B5EF4-FFF2-40B4-BE49-F238E27FC236}">
-                <a16:creationId xmlns:a16="http://schemas.microsoft.com/office/drawing/2014/main" id="{616AE785-F55D-D998-9850-4DA810B0CB14}"/>
-              </a:ext>
-            </a:extLst>
-          </p:cNvPr>
-          <p:cNvSpPr txBox="1">
-            <a:spLocks noGrp="1"/>
-          </p:cNvSpPr>
-          <p:nvPr>
-            <p:ph type="body" idx="1"/>
-          </p:nvPr>
-        </p:nvSpPr>
-        <p:spPr>
-          <a:xfrm>
-            <a:off x="685800" y="4343400"/>
-            <a:ext cx="5486400" cy="4114800"/>
-          </a:xfrm>
-          <a:prstGeom prst="rect">
-            <a:avLst/>
-          </a:prstGeom>
-        </p:spPr>
-        <p:txBody>
-          <a:bodyPr spcFirstLastPara="1" wrap="square" lIns="91425" tIns="91425" rIns="91425" bIns="91425" anchor="t" anchorCtr="0">
-            <a:noAutofit/>
-          </a:bodyPr>
-          <a:lstStyle/>
-          <a:p>
-            <a:pPr marL="0" lvl="0" indent="0" algn="l" rtl="0">
-              <a:spcBef>
-                <a:spcPts val="0"/>
-              </a:spcBef>
-              <a:spcAft>
-                <a:spcPts val="0"/>
-              </a:spcAft>
-              <a:buNone/>
-            </a:pPr>
-            <a:endParaRPr/>
-          </a:p>
-        </p:txBody>
-      </p:sp>
-    </p:spTree>
-    <p:extLst>
-      <p:ext uri="{BB962C8B-B14F-4D97-AF65-F5344CB8AC3E}">
-        <p14:creationId xmlns:p14="http://schemas.microsoft.com/office/powerpoint/2010/main" val="517310349"/>
-      </p:ext>
-    </p:extLst>
-  </p:cSld>
-  <p:clrMapOvr>
-    <a:masterClrMapping/>
-  </p:clrMapOvr>
-</p:notes>
-</file>
-
-<file path=ppt/notesSlides/notesSlide19.xml><?xml version="1.0" encoding="utf-8"?>
-<p:notes xmlns:a="http://schemas.openxmlformats.org/drawingml/2006/main" xmlns:r="http://schemas.openxmlformats.org/officeDocument/2006/relationships" xmlns:p="http://schemas.openxmlformats.org/presentationml/2006/main" showMasterSp="0" showMasterPhAnim="0">
-  <p:cSld>
-    <p:spTree>
-      <p:nvGrpSpPr>
         <p:cNvPr id="1" name="Shape 85">
           <a:extLst>
             <a:ext uri="{FF2B5EF4-FFF2-40B4-BE49-F238E27FC236}">
@@ -15860,6 +15604,260 @@
     <p:extLst>
       <p:ext uri="{BB962C8B-B14F-4D97-AF65-F5344CB8AC3E}">
         <p14:creationId xmlns:p14="http://schemas.microsoft.com/office/powerpoint/2010/main" val="1247277793"/>
+      </p:ext>
+    </p:extLst>
+  </p:cSld>
+  <p:clrMapOvr>
+    <a:masterClrMapping/>
+  </p:clrMapOvr>
+</p:notes>
+</file>
+
+<file path=ppt/notesSlides/notesSlide18.xml><?xml version="1.0" encoding="utf-8"?>
+<p:notes xmlns:a="http://schemas.openxmlformats.org/drawingml/2006/main" xmlns:r="http://schemas.openxmlformats.org/officeDocument/2006/relationships" xmlns:p="http://schemas.openxmlformats.org/presentationml/2006/main" showMasterSp="0" showMasterPhAnim="0">
+  <p:cSld>
+    <p:spTree>
+      <p:nvGrpSpPr>
+        <p:cNvPr id="1" name="Shape 122">
+          <a:extLst>
+            <a:ext uri="{FF2B5EF4-FFF2-40B4-BE49-F238E27FC236}">
+              <a16:creationId xmlns:a16="http://schemas.microsoft.com/office/drawing/2014/main" id="{ACE01A6E-DB48-7A40-7A1D-F54FCFBB23F4}"/>
+            </a:ext>
+          </a:extLst>
+        </p:cNvPr>
+        <p:cNvGrpSpPr/>
+        <p:nvPr/>
+      </p:nvGrpSpPr>
+      <p:grpSpPr>
+        <a:xfrm>
+          <a:off x="0" y="0"/>
+          <a:ext cx="0" cy="0"/>
+          <a:chOff x="0" y="0"/>
+          <a:chExt cx="0" cy="0"/>
+        </a:xfrm>
+      </p:grpSpPr>
+      <p:sp>
+        <p:nvSpPr>
+          <p:cNvPr id="123" name="Google Shape;123;g8a22a4a535_2_878:notes">
+            <a:extLst>
+              <a:ext uri="{FF2B5EF4-FFF2-40B4-BE49-F238E27FC236}">
+                <a16:creationId xmlns:a16="http://schemas.microsoft.com/office/drawing/2014/main" id="{8C706A45-E42E-E171-ECBD-A36B17FDEA40}"/>
+              </a:ext>
+            </a:extLst>
+          </p:cNvPr>
+          <p:cNvSpPr>
+            <a:spLocks noGrp="1" noRot="1" noChangeAspect="1"/>
+          </p:cNvSpPr>
+          <p:nvPr>
+            <p:ph type="sldImg" idx="2"/>
+          </p:nvPr>
+        </p:nvSpPr>
+        <p:spPr>
+          <a:xfrm>
+            <a:off x="381000" y="685800"/>
+            <a:ext cx="6096000" cy="3429000"/>
+          </a:xfrm>
+          <a:custGeom>
+            <a:avLst/>
+            <a:gdLst/>
+            <a:ahLst/>
+            <a:cxnLst/>
+            <a:rect l="l" t="t" r="r" b="b"/>
+            <a:pathLst>
+              <a:path w="120000" h="120000" extrusionOk="0">
+                <a:moveTo>
+                  <a:pt x="0" y="0"/>
+                </a:moveTo>
+                <a:lnTo>
+                  <a:pt x="120000" y="0"/>
+                </a:lnTo>
+                <a:lnTo>
+                  <a:pt x="120000" y="120000"/>
+                </a:lnTo>
+                <a:lnTo>
+                  <a:pt x="0" y="120000"/>
+                </a:lnTo>
+                <a:close/>
+              </a:path>
+            </a:pathLst>
+          </a:custGeom>
+        </p:spPr>
+      </p:sp>
+      <p:sp>
+        <p:nvSpPr>
+          <p:cNvPr id="124" name="Google Shape;124;g8a22a4a535_2_878:notes">
+            <a:extLst>
+              <a:ext uri="{FF2B5EF4-FFF2-40B4-BE49-F238E27FC236}">
+                <a16:creationId xmlns:a16="http://schemas.microsoft.com/office/drawing/2014/main" id="{815D0AAD-BA5F-6328-CC6A-1A9A8FB25E26}"/>
+              </a:ext>
+            </a:extLst>
+          </p:cNvPr>
+          <p:cNvSpPr txBox="1">
+            <a:spLocks noGrp="1"/>
+          </p:cNvSpPr>
+          <p:nvPr>
+            <p:ph type="body" idx="1"/>
+          </p:nvPr>
+        </p:nvSpPr>
+        <p:spPr>
+          <a:xfrm>
+            <a:off x="685800" y="4343400"/>
+            <a:ext cx="5486400" cy="4114800"/>
+          </a:xfrm>
+          <a:prstGeom prst="rect">
+            <a:avLst/>
+          </a:prstGeom>
+        </p:spPr>
+        <p:txBody>
+          <a:bodyPr spcFirstLastPara="1" wrap="square" lIns="91425" tIns="91425" rIns="91425" bIns="91425" anchor="t" anchorCtr="0">
+            <a:noAutofit/>
+          </a:bodyPr>
+          <a:lstStyle/>
+          <a:p>
+            <a:pPr marL="0" lvl="0" indent="0" algn="l" rtl="0">
+              <a:spcBef>
+                <a:spcPts val="0"/>
+              </a:spcBef>
+              <a:spcAft>
+                <a:spcPts val="0"/>
+              </a:spcAft>
+              <a:buNone/>
+            </a:pPr>
+            <a:endParaRPr/>
+          </a:p>
+        </p:txBody>
+      </p:sp>
+    </p:spTree>
+    <p:extLst>
+      <p:ext uri="{BB962C8B-B14F-4D97-AF65-F5344CB8AC3E}">
+        <p14:creationId xmlns:p14="http://schemas.microsoft.com/office/powerpoint/2010/main" val="1968206493"/>
+      </p:ext>
+    </p:extLst>
+  </p:cSld>
+  <p:clrMapOvr>
+    <a:masterClrMapping/>
+  </p:clrMapOvr>
+</p:notes>
+</file>
+
+<file path=ppt/notesSlides/notesSlide19.xml><?xml version="1.0" encoding="utf-8"?>
+<p:notes xmlns:a="http://schemas.openxmlformats.org/drawingml/2006/main" xmlns:r="http://schemas.openxmlformats.org/officeDocument/2006/relationships" xmlns:p="http://schemas.openxmlformats.org/presentationml/2006/main" showMasterSp="0" showMasterPhAnim="0">
+  <p:cSld>
+    <p:spTree>
+      <p:nvGrpSpPr>
+        <p:cNvPr id="1" name="Shape 122">
+          <a:extLst>
+            <a:ext uri="{FF2B5EF4-FFF2-40B4-BE49-F238E27FC236}">
+              <a16:creationId xmlns:a16="http://schemas.microsoft.com/office/drawing/2014/main" id="{B0D9FD6F-722C-AEE8-FFA3-307FAE1329A6}"/>
+            </a:ext>
+          </a:extLst>
+        </p:cNvPr>
+        <p:cNvGrpSpPr/>
+        <p:nvPr/>
+      </p:nvGrpSpPr>
+      <p:grpSpPr>
+        <a:xfrm>
+          <a:off x="0" y="0"/>
+          <a:ext cx="0" cy="0"/>
+          <a:chOff x="0" y="0"/>
+          <a:chExt cx="0" cy="0"/>
+        </a:xfrm>
+      </p:grpSpPr>
+      <p:sp>
+        <p:nvSpPr>
+          <p:cNvPr id="123" name="Google Shape;123;g8a22a4a535_2_878:notes">
+            <a:extLst>
+              <a:ext uri="{FF2B5EF4-FFF2-40B4-BE49-F238E27FC236}">
+                <a16:creationId xmlns:a16="http://schemas.microsoft.com/office/drawing/2014/main" id="{06504A48-F072-06E9-2407-762BC4264DA9}"/>
+              </a:ext>
+            </a:extLst>
+          </p:cNvPr>
+          <p:cNvSpPr>
+            <a:spLocks noGrp="1" noRot="1" noChangeAspect="1"/>
+          </p:cNvSpPr>
+          <p:nvPr>
+            <p:ph type="sldImg" idx="2"/>
+          </p:nvPr>
+        </p:nvSpPr>
+        <p:spPr>
+          <a:xfrm>
+            <a:off x="381000" y="685800"/>
+            <a:ext cx="6096000" cy="3429000"/>
+          </a:xfrm>
+          <a:custGeom>
+            <a:avLst/>
+            <a:gdLst/>
+            <a:ahLst/>
+            <a:cxnLst/>
+            <a:rect l="l" t="t" r="r" b="b"/>
+            <a:pathLst>
+              <a:path w="120000" h="120000" extrusionOk="0">
+                <a:moveTo>
+                  <a:pt x="0" y="0"/>
+                </a:moveTo>
+                <a:lnTo>
+                  <a:pt x="120000" y="0"/>
+                </a:lnTo>
+                <a:lnTo>
+                  <a:pt x="120000" y="120000"/>
+                </a:lnTo>
+                <a:lnTo>
+                  <a:pt x="0" y="120000"/>
+                </a:lnTo>
+                <a:close/>
+              </a:path>
+            </a:pathLst>
+          </a:custGeom>
+        </p:spPr>
+      </p:sp>
+      <p:sp>
+        <p:nvSpPr>
+          <p:cNvPr id="124" name="Google Shape;124;g8a22a4a535_2_878:notes">
+            <a:extLst>
+              <a:ext uri="{FF2B5EF4-FFF2-40B4-BE49-F238E27FC236}">
+                <a16:creationId xmlns:a16="http://schemas.microsoft.com/office/drawing/2014/main" id="{88CA877D-A69A-457E-8F7D-C9ADC3D76844}"/>
+              </a:ext>
+            </a:extLst>
+          </p:cNvPr>
+          <p:cNvSpPr txBox="1">
+            <a:spLocks noGrp="1"/>
+          </p:cNvSpPr>
+          <p:nvPr>
+            <p:ph type="body" idx="1"/>
+          </p:nvPr>
+        </p:nvSpPr>
+        <p:spPr>
+          <a:xfrm>
+            <a:off x="685800" y="4343400"/>
+            <a:ext cx="5486400" cy="4114800"/>
+          </a:xfrm>
+          <a:prstGeom prst="rect">
+            <a:avLst/>
+          </a:prstGeom>
+        </p:spPr>
+        <p:txBody>
+          <a:bodyPr spcFirstLastPara="1" wrap="square" lIns="91425" tIns="91425" rIns="91425" bIns="91425" anchor="t" anchorCtr="0">
+            <a:noAutofit/>
+          </a:bodyPr>
+          <a:lstStyle/>
+          <a:p>
+            <a:pPr marL="0" lvl="0" indent="0" algn="l" rtl="0">
+              <a:spcBef>
+                <a:spcPts val="0"/>
+              </a:spcBef>
+              <a:spcAft>
+                <a:spcPts val="0"/>
+              </a:spcAft>
+              <a:buNone/>
+            </a:pPr>
+            <a:endParaRPr/>
+          </a:p>
+        </p:txBody>
+      </p:sp>
+    </p:spTree>
+    <p:extLst>
+      <p:ext uri="{BB962C8B-B14F-4D97-AF65-F5344CB8AC3E}">
+        <p14:creationId xmlns:p14="http://schemas.microsoft.com/office/powerpoint/2010/main" val="1108825846"/>
       </p:ext>
     </p:extLst>
   </p:cSld>
@@ -16004,260 +16002,6 @@
         <p:cNvPr id="1" name="Shape 122">
           <a:extLst>
             <a:ext uri="{FF2B5EF4-FFF2-40B4-BE49-F238E27FC236}">
-              <a16:creationId xmlns:a16="http://schemas.microsoft.com/office/drawing/2014/main" id="{ACE01A6E-DB48-7A40-7A1D-F54FCFBB23F4}"/>
-            </a:ext>
-          </a:extLst>
-        </p:cNvPr>
-        <p:cNvGrpSpPr/>
-        <p:nvPr/>
-      </p:nvGrpSpPr>
-      <p:grpSpPr>
-        <a:xfrm>
-          <a:off x="0" y="0"/>
-          <a:ext cx="0" cy="0"/>
-          <a:chOff x="0" y="0"/>
-          <a:chExt cx="0" cy="0"/>
-        </a:xfrm>
-      </p:grpSpPr>
-      <p:sp>
-        <p:nvSpPr>
-          <p:cNvPr id="123" name="Google Shape;123;g8a22a4a535_2_878:notes">
-            <a:extLst>
-              <a:ext uri="{FF2B5EF4-FFF2-40B4-BE49-F238E27FC236}">
-                <a16:creationId xmlns:a16="http://schemas.microsoft.com/office/drawing/2014/main" id="{8C706A45-E42E-E171-ECBD-A36B17FDEA40}"/>
-              </a:ext>
-            </a:extLst>
-          </p:cNvPr>
-          <p:cNvSpPr>
-            <a:spLocks noGrp="1" noRot="1" noChangeAspect="1"/>
-          </p:cNvSpPr>
-          <p:nvPr>
-            <p:ph type="sldImg" idx="2"/>
-          </p:nvPr>
-        </p:nvSpPr>
-        <p:spPr>
-          <a:xfrm>
-            <a:off x="381000" y="685800"/>
-            <a:ext cx="6096000" cy="3429000"/>
-          </a:xfrm>
-          <a:custGeom>
-            <a:avLst/>
-            <a:gdLst/>
-            <a:ahLst/>
-            <a:cxnLst/>
-            <a:rect l="l" t="t" r="r" b="b"/>
-            <a:pathLst>
-              <a:path w="120000" h="120000" extrusionOk="0">
-                <a:moveTo>
-                  <a:pt x="0" y="0"/>
-                </a:moveTo>
-                <a:lnTo>
-                  <a:pt x="120000" y="0"/>
-                </a:lnTo>
-                <a:lnTo>
-                  <a:pt x="120000" y="120000"/>
-                </a:lnTo>
-                <a:lnTo>
-                  <a:pt x="0" y="120000"/>
-                </a:lnTo>
-                <a:close/>
-              </a:path>
-            </a:pathLst>
-          </a:custGeom>
-        </p:spPr>
-      </p:sp>
-      <p:sp>
-        <p:nvSpPr>
-          <p:cNvPr id="124" name="Google Shape;124;g8a22a4a535_2_878:notes">
-            <a:extLst>
-              <a:ext uri="{FF2B5EF4-FFF2-40B4-BE49-F238E27FC236}">
-                <a16:creationId xmlns:a16="http://schemas.microsoft.com/office/drawing/2014/main" id="{815D0AAD-BA5F-6328-CC6A-1A9A8FB25E26}"/>
-              </a:ext>
-            </a:extLst>
-          </p:cNvPr>
-          <p:cNvSpPr txBox="1">
-            <a:spLocks noGrp="1"/>
-          </p:cNvSpPr>
-          <p:nvPr>
-            <p:ph type="body" idx="1"/>
-          </p:nvPr>
-        </p:nvSpPr>
-        <p:spPr>
-          <a:xfrm>
-            <a:off x="685800" y="4343400"/>
-            <a:ext cx="5486400" cy="4114800"/>
-          </a:xfrm>
-          <a:prstGeom prst="rect">
-            <a:avLst/>
-          </a:prstGeom>
-        </p:spPr>
-        <p:txBody>
-          <a:bodyPr spcFirstLastPara="1" wrap="square" lIns="91425" tIns="91425" rIns="91425" bIns="91425" anchor="t" anchorCtr="0">
-            <a:noAutofit/>
-          </a:bodyPr>
-          <a:lstStyle/>
-          <a:p>
-            <a:pPr marL="0" lvl="0" indent="0" algn="l" rtl="0">
-              <a:spcBef>
-                <a:spcPts val="0"/>
-              </a:spcBef>
-              <a:spcAft>
-                <a:spcPts val="0"/>
-              </a:spcAft>
-              <a:buNone/>
-            </a:pPr>
-            <a:endParaRPr/>
-          </a:p>
-        </p:txBody>
-      </p:sp>
-    </p:spTree>
-    <p:extLst>
-      <p:ext uri="{BB962C8B-B14F-4D97-AF65-F5344CB8AC3E}">
-        <p14:creationId xmlns:p14="http://schemas.microsoft.com/office/powerpoint/2010/main" val="1968206493"/>
-      </p:ext>
-    </p:extLst>
-  </p:cSld>
-  <p:clrMapOvr>
-    <a:masterClrMapping/>
-  </p:clrMapOvr>
-</p:notes>
-</file>
-
-<file path=ppt/notesSlides/notesSlide21.xml><?xml version="1.0" encoding="utf-8"?>
-<p:notes xmlns:a="http://schemas.openxmlformats.org/drawingml/2006/main" xmlns:r="http://schemas.openxmlformats.org/officeDocument/2006/relationships" xmlns:p="http://schemas.openxmlformats.org/presentationml/2006/main" showMasterSp="0" showMasterPhAnim="0">
-  <p:cSld>
-    <p:spTree>
-      <p:nvGrpSpPr>
-        <p:cNvPr id="1" name="Shape 122">
-          <a:extLst>
-            <a:ext uri="{FF2B5EF4-FFF2-40B4-BE49-F238E27FC236}">
-              <a16:creationId xmlns:a16="http://schemas.microsoft.com/office/drawing/2014/main" id="{B0D9FD6F-722C-AEE8-FFA3-307FAE1329A6}"/>
-            </a:ext>
-          </a:extLst>
-        </p:cNvPr>
-        <p:cNvGrpSpPr/>
-        <p:nvPr/>
-      </p:nvGrpSpPr>
-      <p:grpSpPr>
-        <a:xfrm>
-          <a:off x="0" y="0"/>
-          <a:ext cx="0" cy="0"/>
-          <a:chOff x="0" y="0"/>
-          <a:chExt cx="0" cy="0"/>
-        </a:xfrm>
-      </p:grpSpPr>
-      <p:sp>
-        <p:nvSpPr>
-          <p:cNvPr id="123" name="Google Shape;123;g8a22a4a535_2_878:notes">
-            <a:extLst>
-              <a:ext uri="{FF2B5EF4-FFF2-40B4-BE49-F238E27FC236}">
-                <a16:creationId xmlns:a16="http://schemas.microsoft.com/office/drawing/2014/main" id="{06504A48-F072-06E9-2407-762BC4264DA9}"/>
-              </a:ext>
-            </a:extLst>
-          </p:cNvPr>
-          <p:cNvSpPr>
-            <a:spLocks noGrp="1" noRot="1" noChangeAspect="1"/>
-          </p:cNvSpPr>
-          <p:nvPr>
-            <p:ph type="sldImg" idx="2"/>
-          </p:nvPr>
-        </p:nvSpPr>
-        <p:spPr>
-          <a:xfrm>
-            <a:off x="381000" y="685800"/>
-            <a:ext cx="6096000" cy="3429000"/>
-          </a:xfrm>
-          <a:custGeom>
-            <a:avLst/>
-            <a:gdLst/>
-            <a:ahLst/>
-            <a:cxnLst/>
-            <a:rect l="l" t="t" r="r" b="b"/>
-            <a:pathLst>
-              <a:path w="120000" h="120000" extrusionOk="0">
-                <a:moveTo>
-                  <a:pt x="0" y="0"/>
-                </a:moveTo>
-                <a:lnTo>
-                  <a:pt x="120000" y="0"/>
-                </a:lnTo>
-                <a:lnTo>
-                  <a:pt x="120000" y="120000"/>
-                </a:lnTo>
-                <a:lnTo>
-                  <a:pt x="0" y="120000"/>
-                </a:lnTo>
-                <a:close/>
-              </a:path>
-            </a:pathLst>
-          </a:custGeom>
-        </p:spPr>
-      </p:sp>
-      <p:sp>
-        <p:nvSpPr>
-          <p:cNvPr id="124" name="Google Shape;124;g8a22a4a535_2_878:notes">
-            <a:extLst>
-              <a:ext uri="{FF2B5EF4-FFF2-40B4-BE49-F238E27FC236}">
-                <a16:creationId xmlns:a16="http://schemas.microsoft.com/office/drawing/2014/main" id="{88CA877D-A69A-457E-8F7D-C9ADC3D76844}"/>
-              </a:ext>
-            </a:extLst>
-          </p:cNvPr>
-          <p:cNvSpPr txBox="1">
-            <a:spLocks noGrp="1"/>
-          </p:cNvSpPr>
-          <p:nvPr>
-            <p:ph type="body" idx="1"/>
-          </p:nvPr>
-        </p:nvSpPr>
-        <p:spPr>
-          <a:xfrm>
-            <a:off x="685800" y="4343400"/>
-            <a:ext cx="5486400" cy="4114800"/>
-          </a:xfrm>
-          <a:prstGeom prst="rect">
-            <a:avLst/>
-          </a:prstGeom>
-        </p:spPr>
-        <p:txBody>
-          <a:bodyPr spcFirstLastPara="1" wrap="square" lIns="91425" tIns="91425" rIns="91425" bIns="91425" anchor="t" anchorCtr="0">
-            <a:noAutofit/>
-          </a:bodyPr>
-          <a:lstStyle/>
-          <a:p>
-            <a:pPr marL="0" lvl="0" indent="0" algn="l" rtl="0">
-              <a:spcBef>
-                <a:spcPts val="0"/>
-              </a:spcBef>
-              <a:spcAft>
-                <a:spcPts val="0"/>
-              </a:spcAft>
-              <a:buNone/>
-            </a:pPr>
-            <a:endParaRPr/>
-          </a:p>
-        </p:txBody>
-      </p:sp>
-    </p:spTree>
-    <p:extLst>
-      <p:ext uri="{BB962C8B-B14F-4D97-AF65-F5344CB8AC3E}">
-        <p14:creationId xmlns:p14="http://schemas.microsoft.com/office/powerpoint/2010/main" val="1108825846"/>
-      </p:ext>
-    </p:extLst>
-  </p:cSld>
-  <p:clrMapOvr>
-    <a:masterClrMapping/>
-  </p:clrMapOvr>
-</p:notes>
-</file>
-
-<file path=ppt/notesSlides/notesSlide22.xml><?xml version="1.0" encoding="utf-8"?>
-<p:notes xmlns:a="http://schemas.openxmlformats.org/drawingml/2006/main" xmlns:r="http://schemas.openxmlformats.org/officeDocument/2006/relationships" xmlns:p="http://schemas.openxmlformats.org/presentationml/2006/main" showMasterSp="0" showMasterPhAnim="0">
-  <p:cSld>
-    <p:spTree>
-      <p:nvGrpSpPr>
-        <p:cNvPr id="1" name="Shape 122">
-          <a:extLst>
-            <a:ext uri="{FF2B5EF4-FFF2-40B4-BE49-F238E27FC236}">
               <a16:creationId xmlns:a16="http://schemas.microsoft.com/office/drawing/2014/main" id="{5863EB59-9884-D5CC-F188-FF1DB1EC5B59}"/>
             </a:ext>
           </a:extLst>
@@ -16377,7 +16121,7 @@
 </p:notes>
 </file>
 
-<file path=ppt/notesSlides/notesSlide23.xml><?xml version="1.0" encoding="utf-8"?>
+<file path=ppt/notesSlides/notesSlide21.xml><?xml version="1.0" encoding="utf-8"?>
 <p:notes xmlns:a="http://schemas.openxmlformats.org/drawingml/2006/main" xmlns:r="http://schemas.openxmlformats.org/officeDocument/2006/relationships" xmlns:p="http://schemas.openxmlformats.org/presentationml/2006/main" showMasterSp="0" showMasterPhAnim="0">
   <p:cSld>
     <p:spTree>
@@ -16504,7 +16248,7 @@
 </p:notes>
 </file>
 
-<file path=ppt/notesSlides/notesSlide24.xml><?xml version="1.0" encoding="utf-8"?>
+<file path=ppt/notesSlides/notesSlide22.xml><?xml version="1.0" encoding="utf-8"?>
 <p:notes xmlns:a="http://schemas.openxmlformats.org/drawingml/2006/main" xmlns:r="http://schemas.openxmlformats.org/officeDocument/2006/relationships" xmlns:p="http://schemas.openxmlformats.org/presentationml/2006/main" showMasterSp="0" showMasterPhAnim="0">
   <p:cSld>
     <p:spTree>
@@ -16631,7 +16375,7 @@
 </p:notes>
 </file>
 
-<file path=ppt/notesSlides/notesSlide25.xml><?xml version="1.0" encoding="utf-8"?>
+<file path=ppt/notesSlides/notesSlide23.xml><?xml version="1.0" encoding="utf-8"?>
 <p:notes xmlns:a="http://schemas.openxmlformats.org/drawingml/2006/main" xmlns:r="http://schemas.openxmlformats.org/officeDocument/2006/relationships" xmlns:p="http://schemas.openxmlformats.org/presentationml/2006/main" showMasterSp="0" showMasterPhAnim="0">
   <p:cSld>
     <p:spTree>
@@ -16758,7 +16502,7 @@
 </p:notes>
 </file>
 
-<file path=ppt/notesSlides/notesSlide26.xml><?xml version="1.0" encoding="utf-8"?>
+<file path=ppt/notesSlides/notesSlide24.xml><?xml version="1.0" encoding="utf-8"?>
 <p:notes xmlns:a="http://schemas.openxmlformats.org/drawingml/2006/main" xmlns:r="http://schemas.openxmlformats.org/officeDocument/2006/relationships" xmlns:p="http://schemas.openxmlformats.org/presentationml/2006/main" showMasterSp="0" showMasterPhAnim="0">
   <p:cSld>
     <p:spTree>
@@ -16885,7 +16629,7 @@
 </p:notes>
 </file>
 
-<file path=ppt/notesSlides/notesSlide27.xml><?xml version="1.0" encoding="utf-8"?>
+<file path=ppt/notesSlides/notesSlide25.xml><?xml version="1.0" encoding="utf-8"?>
 <p:notes xmlns:a="http://schemas.openxmlformats.org/drawingml/2006/main" xmlns:r="http://schemas.openxmlformats.org/officeDocument/2006/relationships" xmlns:p="http://schemas.openxmlformats.org/presentationml/2006/main" showMasterSp="0" showMasterPhAnim="0">
   <p:cSld>
     <p:spTree>
@@ -17012,7 +16756,7 @@
 </p:notes>
 </file>
 
-<file path=ppt/notesSlides/notesSlide28.xml><?xml version="1.0" encoding="utf-8"?>
+<file path=ppt/notesSlides/notesSlide26.xml><?xml version="1.0" encoding="utf-8"?>
 <p:notes xmlns:a="http://schemas.openxmlformats.org/drawingml/2006/main" xmlns:r="http://schemas.openxmlformats.org/officeDocument/2006/relationships" xmlns:p="http://schemas.openxmlformats.org/presentationml/2006/main" showMasterSp="0" showMasterPhAnim="0">
   <p:cSld>
     <p:spTree>
@@ -17139,7 +16883,7 @@
 </p:notes>
 </file>
 
-<file path=ppt/notesSlides/notesSlide29.xml><?xml version="1.0" encoding="utf-8"?>
+<file path=ppt/notesSlides/notesSlide27.xml><?xml version="1.0" encoding="utf-8"?>
 <p:notes xmlns:a="http://schemas.openxmlformats.org/drawingml/2006/main" xmlns:r="http://schemas.openxmlformats.org/officeDocument/2006/relationships" xmlns:p="http://schemas.openxmlformats.org/presentationml/2006/main" showMasterSp="0" showMasterPhAnim="0">
   <p:cSld>
     <p:spTree>
@@ -17257,6 +17001,260 @@
     <p:extLst>
       <p:ext uri="{BB962C8B-B14F-4D97-AF65-F5344CB8AC3E}">
         <p14:creationId xmlns:p14="http://schemas.microsoft.com/office/powerpoint/2010/main" val="1728478547"/>
+      </p:ext>
+    </p:extLst>
+  </p:cSld>
+  <p:clrMapOvr>
+    <a:masterClrMapping/>
+  </p:clrMapOvr>
+</p:notes>
+</file>
+
+<file path=ppt/notesSlides/notesSlide28.xml><?xml version="1.0" encoding="utf-8"?>
+<p:notes xmlns:a="http://schemas.openxmlformats.org/drawingml/2006/main" xmlns:r="http://schemas.openxmlformats.org/officeDocument/2006/relationships" xmlns:p="http://schemas.openxmlformats.org/presentationml/2006/main" showMasterSp="0" showMasterPhAnim="0">
+  <p:cSld>
+    <p:spTree>
+      <p:nvGrpSpPr>
+        <p:cNvPr id="1" name="Shape 122">
+          <a:extLst>
+            <a:ext uri="{FF2B5EF4-FFF2-40B4-BE49-F238E27FC236}">
+              <a16:creationId xmlns:a16="http://schemas.microsoft.com/office/drawing/2014/main" id="{9216AC36-2CE4-644A-AE39-50D9B64C9E8A}"/>
+            </a:ext>
+          </a:extLst>
+        </p:cNvPr>
+        <p:cNvGrpSpPr/>
+        <p:nvPr/>
+      </p:nvGrpSpPr>
+      <p:grpSpPr>
+        <a:xfrm>
+          <a:off x="0" y="0"/>
+          <a:ext cx="0" cy="0"/>
+          <a:chOff x="0" y="0"/>
+          <a:chExt cx="0" cy="0"/>
+        </a:xfrm>
+      </p:grpSpPr>
+      <p:sp>
+        <p:nvSpPr>
+          <p:cNvPr id="123" name="Google Shape;123;g8a22a4a535_2_878:notes">
+            <a:extLst>
+              <a:ext uri="{FF2B5EF4-FFF2-40B4-BE49-F238E27FC236}">
+                <a16:creationId xmlns:a16="http://schemas.microsoft.com/office/drawing/2014/main" id="{9BFB7F2E-AC7E-F359-F9FA-6BAF37FCA575}"/>
+              </a:ext>
+            </a:extLst>
+          </p:cNvPr>
+          <p:cNvSpPr>
+            <a:spLocks noGrp="1" noRot="1" noChangeAspect="1"/>
+          </p:cNvSpPr>
+          <p:nvPr>
+            <p:ph type="sldImg" idx="2"/>
+          </p:nvPr>
+        </p:nvSpPr>
+        <p:spPr>
+          <a:xfrm>
+            <a:off x="381000" y="685800"/>
+            <a:ext cx="6096000" cy="3429000"/>
+          </a:xfrm>
+          <a:custGeom>
+            <a:avLst/>
+            <a:gdLst/>
+            <a:ahLst/>
+            <a:cxnLst/>
+            <a:rect l="l" t="t" r="r" b="b"/>
+            <a:pathLst>
+              <a:path w="120000" h="120000" extrusionOk="0">
+                <a:moveTo>
+                  <a:pt x="0" y="0"/>
+                </a:moveTo>
+                <a:lnTo>
+                  <a:pt x="120000" y="0"/>
+                </a:lnTo>
+                <a:lnTo>
+                  <a:pt x="120000" y="120000"/>
+                </a:lnTo>
+                <a:lnTo>
+                  <a:pt x="0" y="120000"/>
+                </a:lnTo>
+                <a:close/>
+              </a:path>
+            </a:pathLst>
+          </a:custGeom>
+        </p:spPr>
+      </p:sp>
+      <p:sp>
+        <p:nvSpPr>
+          <p:cNvPr id="124" name="Google Shape;124;g8a22a4a535_2_878:notes">
+            <a:extLst>
+              <a:ext uri="{FF2B5EF4-FFF2-40B4-BE49-F238E27FC236}">
+                <a16:creationId xmlns:a16="http://schemas.microsoft.com/office/drawing/2014/main" id="{2C8A14FD-1558-F1CD-1415-17325B14BABC}"/>
+              </a:ext>
+            </a:extLst>
+          </p:cNvPr>
+          <p:cNvSpPr txBox="1">
+            <a:spLocks noGrp="1"/>
+          </p:cNvSpPr>
+          <p:nvPr>
+            <p:ph type="body" idx="1"/>
+          </p:nvPr>
+        </p:nvSpPr>
+        <p:spPr>
+          <a:xfrm>
+            <a:off x="685800" y="4343400"/>
+            <a:ext cx="5486400" cy="4114800"/>
+          </a:xfrm>
+          <a:prstGeom prst="rect">
+            <a:avLst/>
+          </a:prstGeom>
+        </p:spPr>
+        <p:txBody>
+          <a:bodyPr spcFirstLastPara="1" wrap="square" lIns="91425" tIns="91425" rIns="91425" bIns="91425" anchor="t" anchorCtr="0">
+            <a:noAutofit/>
+          </a:bodyPr>
+          <a:lstStyle/>
+          <a:p>
+            <a:pPr marL="0" lvl="0" indent="0" algn="l" rtl="0">
+              <a:spcBef>
+                <a:spcPts val="0"/>
+              </a:spcBef>
+              <a:spcAft>
+                <a:spcPts val="0"/>
+              </a:spcAft>
+              <a:buNone/>
+            </a:pPr>
+            <a:endParaRPr/>
+          </a:p>
+        </p:txBody>
+      </p:sp>
+    </p:spTree>
+    <p:extLst>
+      <p:ext uri="{BB962C8B-B14F-4D97-AF65-F5344CB8AC3E}">
+        <p14:creationId xmlns:p14="http://schemas.microsoft.com/office/powerpoint/2010/main" val="1946911191"/>
+      </p:ext>
+    </p:extLst>
+  </p:cSld>
+  <p:clrMapOvr>
+    <a:masterClrMapping/>
+  </p:clrMapOvr>
+</p:notes>
+</file>
+
+<file path=ppt/notesSlides/notesSlide29.xml><?xml version="1.0" encoding="utf-8"?>
+<p:notes xmlns:a="http://schemas.openxmlformats.org/drawingml/2006/main" xmlns:r="http://schemas.openxmlformats.org/officeDocument/2006/relationships" xmlns:p="http://schemas.openxmlformats.org/presentationml/2006/main" showMasterSp="0" showMasterPhAnim="0">
+  <p:cSld>
+    <p:spTree>
+      <p:nvGrpSpPr>
+        <p:cNvPr id="1" name="Shape 122">
+          <a:extLst>
+            <a:ext uri="{FF2B5EF4-FFF2-40B4-BE49-F238E27FC236}">
+              <a16:creationId xmlns:a16="http://schemas.microsoft.com/office/drawing/2014/main" id="{A8ED3B67-10D3-9255-8812-730D1D827B93}"/>
+            </a:ext>
+          </a:extLst>
+        </p:cNvPr>
+        <p:cNvGrpSpPr/>
+        <p:nvPr/>
+      </p:nvGrpSpPr>
+      <p:grpSpPr>
+        <a:xfrm>
+          <a:off x="0" y="0"/>
+          <a:ext cx="0" cy="0"/>
+          <a:chOff x="0" y="0"/>
+          <a:chExt cx="0" cy="0"/>
+        </a:xfrm>
+      </p:grpSpPr>
+      <p:sp>
+        <p:nvSpPr>
+          <p:cNvPr id="123" name="Google Shape;123;g8a22a4a535_2_878:notes">
+            <a:extLst>
+              <a:ext uri="{FF2B5EF4-FFF2-40B4-BE49-F238E27FC236}">
+                <a16:creationId xmlns:a16="http://schemas.microsoft.com/office/drawing/2014/main" id="{F7578058-F814-0AE4-F689-B33CF81A01A2}"/>
+              </a:ext>
+            </a:extLst>
+          </p:cNvPr>
+          <p:cNvSpPr>
+            <a:spLocks noGrp="1" noRot="1" noChangeAspect="1"/>
+          </p:cNvSpPr>
+          <p:nvPr>
+            <p:ph type="sldImg" idx="2"/>
+          </p:nvPr>
+        </p:nvSpPr>
+        <p:spPr>
+          <a:xfrm>
+            <a:off x="381000" y="685800"/>
+            <a:ext cx="6096000" cy="3429000"/>
+          </a:xfrm>
+          <a:custGeom>
+            <a:avLst/>
+            <a:gdLst/>
+            <a:ahLst/>
+            <a:cxnLst/>
+            <a:rect l="l" t="t" r="r" b="b"/>
+            <a:pathLst>
+              <a:path w="120000" h="120000" extrusionOk="0">
+                <a:moveTo>
+                  <a:pt x="0" y="0"/>
+                </a:moveTo>
+                <a:lnTo>
+                  <a:pt x="120000" y="0"/>
+                </a:lnTo>
+                <a:lnTo>
+                  <a:pt x="120000" y="120000"/>
+                </a:lnTo>
+                <a:lnTo>
+                  <a:pt x="0" y="120000"/>
+                </a:lnTo>
+                <a:close/>
+              </a:path>
+            </a:pathLst>
+          </a:custGeom>
+        </p:spPr>
+      </p:sp>
+      <p:sp>
+        <p:nvSpPr>
+          <p:cNvPr id="124" name="Google Shape;124;g8a22a4a535_2_878:notes">
+            <a:extLst>
+              <a:ext uri="{FF2B5EF4-FFF2-40B4-BE49-F238E27FC236}">
+                <a16:creationId xmlns:a16="http://schemas.microsoft.com/office/drawing/2014/main" id="{E9DB0615-14C0-4389-6BB2-25B936B391F2}"/>
+              </a:ext>
+            </a:extLst>
+          </p:cNvPr>
+          <p:cNvSpPr txBox="1">
+            <a:spLocks noGrp="1"/>
+          </p:cNvSpPr>
+          <p:nvPr>
+            <p:ph type="body" idx="1"/>
+          </p:nvPr>
+        </p:nvSpPr>
+        <p:spPr>
+          <a:xfrm>
+            <a:off x="685800" y="4343400"/>
+            <a:ext cx="5486400" cy="4114800"/>
+          </a:xfrm>
+          <a:prstGeom prst="rect">
+            <a:avLst/>
+          </a:prstGeom>
+        </p:spPr>
+        <p:txBody>
+          <a:bodyPr spcFirstLastPara="1" wrap="square" lIns="91425" tIns="91425" rIns="91425" bIns="91425" anchor="t" anchorCtr="0">
+            <a:noAutofit/>
+          </a:bodyPr>
+          <a:lstStyle/>
+          <a:p>
+            <a:pPr marL="0" lvl="0" indent="0" algn="l" rtl="0">
+              <a:spcBef>
+                <a:spcPts val="0"/>
+              </a:spcBef>
+              <a:spcAft>
+                <a:spcPts val="0"/>
+              </a:spcAft>
+              <a:buNone/>
+            </a:pPr>
+            <a:endParaRPr/>
+          </a:p>
+        </p:txBody>
+      </p:sp>
+    </p:spTree>
+    <p:extLst>
+      <p:ext uri="{BB962C8B-B14F-4D97-AF65-F5344CB8AC3E}">
+        <p14:creationId xmlns:p14="http://schemas.microsoft.com/office/powerpoint/2010/main" val="3928852726"/>
       </p:ext>
     </p:extLst>
   </p:cSld>
@@ -17401,260 +17399,6 @@
         <p:cNvPr id="1" name="Shape 122">
           <a:extLst>
             <a:ext uri="{FF2B5EF4-FFF2-40B4-BE49-F238E27FC236}">
-              <a16:creationId xmlns:a16="http://schemas.microsoft.com/office/drawing/2014/main" id="{9216AC36-2CE4-644A-AE39-50D9B64C9E8A}"/>
-            </a:ext>
-          </a:extLst>
-        </p:cNvPr>
-        <p:cNvGrpSpPr/>
-        <p:nvPr/>
-      </p:nvGrpSpPr>
-      <p:grpSpPr>
-        <a:xfrm>
-          <a:off x="0" y="0"/>
-          <a:ext cx="0" cy="0"/>
-          <a:chOff x="0" y="0"/>
-          <a:chExt cx="0" cy="0"/>
-        </a:xfrm>
-      </p:grpSpPr>
-      <p:sp>
-        <p:nvSpPr>
-          <p:cNvPr id="123" name="Google Shape;123;g8a22a4a535_2_878:notes">
-            <a:extLst>
-              <a:ext uri="{FF2B5EF4-FFF2-40B4-BE49-F238E27FC236}">
-                <a16:creationId xmlns:a16="http://schemas.microsoft.com/office/drawing/2014/main" id="{9BFB7F2E-AC7E-F359-F9FA-6BAF37FCA575}"/>
-              </a:ext>
-            </a:extLst>
-          </p:cNvPr>
-          <p:cNvSpPr>
-            <a:spLocks noGrp="1" noRot="1" noChangeAspect="1"/>
-          </p:cNvSpPr>
-          <p:nvPr>
-            <p:ph type="sldImg" idx="2"/>
-          </p:nvPr>
-        </p:nvSpPr>
-        <p:spPr>
-          <a:xfrm>
-            <a:off x="381000" y="685800"/>
-            <a:ext cx="6096000" cy="3429000"/>
-          </a:xfrm>
-          <a:custGeom>
-            <a:avLst/>
-            <a:gdLst/>
-            <a:ahLst/>
-            <a:cxnLst/>
-            <a:rect l="l" t="t" r="r" b="b"/>
-            <a:pathLst>
-              <a:path w="120000" h="120000" extrusionOk="0">
-                <a:moveTo>
-                  <a:pt x="0" y="0"/>
-                </a:moveTo>
-                <a:lnTo>
-                  <a:pt x="120000" y="0"/>
-                </a:lnTo>
-                <a:lnTo>
-                  <a:pt x="120000" y="120000"/>
-                </a:lnTo>
-                <a:lnTo>
-                  <a:pt x="0" y="120000"/>
-                </a:lnTo>
-                <a:close/>
-              </a:path>
-            </a:pathLst>
-          </a:custGeom>
-        </p:spPr>
-      </p:sp>
-      <p:sp>
-        <p:nvSpPr>
-          <p:cNvPr id="124" name="Google Shape;124;g8a22a4a535_2_878:notes">
-            <a:extLst>
-              <a:ext uri="{FF2B5EF4-FFF2-40B4-BE49-F238E27FC236}">
-                <a16:creationId xmlns:a16="http://schemas.microsoft.com/office/drawing/2014/main" id="{2C8A14FD-1558-F1CD-1415-17325B14BABC}"/>
-              </a:ext>
-            </a:extLst>
-          </p:cNvPr>
-          <p:cNvSpPr txBox="1">
-            <a:spLocks noGrp="1"/>
-          </p:cNvSpPr>
-          <p:nvPr>
-            <p:ph type="body" idx="1"/>
-          </p:nvPr>
-        </p:nvSpPr>
-        <p:spPr>
-          <a:xfrm>
-            <a:off x="685800" y="4343400"/>
-            <a:ext cx="5486400" cy="4114800"/>
-          </a:xfrm>
-          <a:prstGeom prst="rect">
-            <a:avLst/>
-          </a:prstGeom>
-        </p:spPr>
-        <p:txBody>
-          <a:bodyPr spcFirstLastPara="1" wrap="square" lIns="91425" tIns="91425" rIns="91425" bIns="91425" anchor="t" anchorCtr="0">
-            <a:noAutofit/>
-          </a:bodyPr>
-          <a:lstStyle/>
-          <a:p>
-            <a:pPr marL="0" lvl="0" indent="0" algn="l" rtl="0">
-              <a:spcBef>
-                <a:spcPts val="0"/>
-              </a:spcBef>
-              <a:spcAft>
-                <a:spcPts val="0"/>
-              </a:spcAft>
-              <a:buNone/>
-            </a:pPr>
-            <a:endParaRPr/>
-          </a:p>
-        </p:txBody>
-      </p:sp>
-    </p:spTree>
-    <p:extLst>
-      <p:ext uri="{BB962C8B-B14F-4D97-AF65-F5344CB8AC3E}">
-        <p14:creationId xmlns:p14="http://schemas.microsoft.com/office/powerpoint/2010/main" val="1946911191"/>
-      </p:ext>
-    </p:extLst>
-  </p:cSld>
-  <p:clrMapOvr>
-    <a:masterClrMapping/>
-  </p:clrMapOvr>
-</p:notes>
-</file>
-
-<file path=ppt/notesSlides/notesSlide31.xml><?xml version="1.0" encoding="utf-8"?>
-<p:notes xmlns:a="http://schemas.openxmlformats.org/drawingml/2006/main" xmlns:r="http://schemas.openxmlformats.org/officeDocument/2006/relationships" xmlns:p="http://schemas.openxmlformats.org/presentationml/2006/main" showMasterSp="0" showMasterPhAnim="0">
-  <p:cSld>
-    <p:spTree>
-      <p:nvGrpSpPr>
-        <p:cNvPr id="1" name="Shape 122">
-          <a:extLst>
-            <a:ext uri="{FF2B5EF4-FFF2-40B4-BE49-F238E27FC236}">
-              <a16:creationId xmlns:a16="http://schemas.microsoft.com/office/drawing/2014/main" id="{A8ED3B67-10D3-9255-8812-730D1D827B93}"/>
-            </a:ext>
-          </a:extLst>
-        </p:cNvPr>
-        <p:cNvGrpSpPr/>
-        <p:nvPr/>
-      </p:nvGrpSpPr>
-      <p:grpSpPr>
-        <a:xfrm>
-          <a:off x="0" y="0"/>
-          <a:ext cx="0" cy="0"/>
-          <a:chOff x="0" y="0"/>
-          <a:chExt cx="0" cy="0"/>
-        </a:xfrm>
-      </p:grpSpPr>
-      <p:sp>
-        <p:nvSpPr>
-          <p:cNvPr id="123" name="Google Shape;123;g8a22a4a535_2_878:notes">
-            <a:extLst>
-              <a:ext uri="{FF2B5EF4-FFF2-40B4-BE49-F238E27FC236}">
-                <a16:creationId xmlns:a16="http://schemas.microsoft.com/office/drawing/2014/main" id="{F7578058-F814-0AE4-F689-B33CF81A01A2}"/>
-              </a:ext>
-            </a:extLst>
-          </p:cNvPr>
-          <p:cNvSpPr>
-            <a:spLocks noGrp="1" noRot="1" noChangeAspect="1"/>
-          </p:cNvSpPr>
-          <p:nvPr>
-            <p:ph type="sldImg" idx="2"/>
-          </p:nvPr>
-        </p:nvSpPr>
-        <p:spPr>
-          <a:xfrm>
-            <a:off x="381000" y="685800"/>
-            <a:ext cx="6096000" cy="3429000"/>
-          </a:xfrm>
-          <a:custGeom>
-            <a:avLst/>
-            <a:gdLst/>
-            <a:ahLst/>
-            <a:cxnLst/>
-            <a:rect l="l" t="t" r="r" b="b"/>
-            <a:pathLst>
-              <a:path w="120000" h="120000" extrusionOk="0">
-                <a:moveTo>
-                  <a:pt x="0" y="0"/>
-                </a:moveTo>
-                <a:lnTo>
-                  <a:pt x="120000" y="0"/>
-                </a:lnTo>
-                <a:lnTo>
-                  <a:pt x="120000" y="120000"/>
-                </a:lnTo>
-                <a:lnTo>
-                  <a:pt x="0" y="120000"/>
-                </a:lnTo>
-                <a:close/>
-              </a:path>
-            </a:pathLst>
-          </a:custGeom>
-        </p:spPr>
-      </p:sp>
-      <p:sp>
-        <p:nvSpPr>
-          <p:cNvPr id="124" name="Google Shape;124;g8a22a4a535_2_878:notes">
-            <a:extLst>
-              <a:ext uri="{FF2B5EF4-FFF2-40B4-BE49-F238E27FC236}">
-                <a16:creationId xmlns:a16="http://schemas.microsoft.com/office/drawing/2014/main" id="{E9DB0615-14C0-4389-6BB2-25B936B391F2}"/>
-              </a:ext>
-            </a:extLst>
-          </p:cNvPr>
-          <p:cNvSpPr txBox="1">
-            <a:spLocks noGrp="1"/>
-          </p:cNvSpPr>
-          <p:nvPr>
-            <p:ph type="body" idx="1"/>
-          </p:nvPr>
-        </p:nvSpPr>
-        <p:spPr>
-          <a:xfrm>
-            <a:off x="685800" y="4343400"/>
-            <a:ext cx="5486400" cy="4114800"/>
-          </a:xfrm>
-          <a:prstGeom prst="rect">
-            <a:avLst/>
-          </a:prstGeom>
-        </p:spPr>
-        <p:txBody>
-          <a:bodyPr spcFirstLastPara="1" wrap="square" lIns="91425" tIns="91425" rIns="91425" bIns="91425" anchor="t" anchorCtr="0">
-            <a:noAutofit/>
-          </a:bodyPr>
-          <a:lstStyle/>
-          <a:p>
-            <a:pPr marL="0" lvl="0" indent="0" algn="l" rtl="0">
-              <a:spcBef>
-                <a:spcPts val="0"/>
-              </a:spcBef>
-              <a:spcAft>
-                <a:spcPts val="0"/>
-              </a:spcAft>
-              <a:buNone/>
-            </a:pPr>
-            <a:endParaRPr/>
-          </a:p>
-        </p:txBody>
-      </p:sp>
-    </p:spTree>
-    <p:extLst>
-      <p:ext uri="{BB962C8B-B14F-4D97-AF65-F5344CB8AC3E}">
-        <p14:creationId xmlns:p14="http://schemas.microsoft.com/office/powerpoint/2010/main" val="3928852726"/>
-      </p:ext>
-    </p:extLst>
-  </p:cSld>
-  <p:clrMapOvr>
-    <a:masterClrMapping/>
-  </p:clrMapOvr>
-</p:notes>
-</file>
-
-<file path=ppt/notesSlides/notesSlide32.xml><?xml version="1.0" encoding="utf-8"?>
-<p:notes xmlns:a="http://schemas.openxmlformats.org/drawingml/2006/main" xmlns:r="http://schemas.openxmlformats.org/officeDocument/2006/relationships" xmlns:p="http://schemas.openxmlformats.org/presentationml/2006/main" showMasterSp="0" showMasterPhAnim="0">
-  <p:cSld>
-    <p:spTree>
-      <p:nvGrpSpPr>
-        <p:cNvPr id="1" name="Shape 122">
-          <a:extLst>
-            <a:ext uri="{FF2B5EF4-FFF2-40B4-BE49-F238E27FC236}">
               <a16:creationId xmlns:a16="http://schemas.microsoft.com/office/drawing/2014/main" id="{3B54CAB8-EE59-06C1-6A3C-C74EA8E94B38}"/>
             </a:ext>
           </a:extLst>
@@ -17774,7 +17518,7 @@
 </p:notes>
 </file>
 
-<file path=ppt/notesSlides/notesSlide33.xml><?xml version="1.0" encoding="utf-8"?>
+<file path=ppt/notesSlides/notesSlide31.xml><?xml version="1.0" encoding="utf-8"?>
 <p:notes xmlns:a="http://schemas.openxmlformats.org/drawingml/2006/main" xmlns:r="http://schemas.openxmlformats.org/officeDocument/2006/relationships" xmlns:p="http://schemas.openxmlformats.org/presentationml/2006/main" showMasterSp="0" showMasterPhAnim="0">
   <p:cSld>
     <p:spTree>
@@ -17901,7 +17645,7 @@
 </p:notes>
 </file>
 
-<file path=ppt/notesSlides/notesSlide34.xml><?xml version="1.0" encoding="utf-8"?>
+<file path=ppt/notesSlides/notesSlide32.xml><?xml version="1.0" encoding="utf-8"?>
 <p:notes xmlns:a="http://schemas.openxmlformats.org/drawingml/2006/main" xmlns:r="http://schemas.openxmlformats.org/officeDocument/2006/relationships" xmlns:p="http://schemas.openxmlformats.org/presentationml/2006/main" showMasterSp="0" showMasterPhAnim="0">
   <p:cSld>
     <p:spTree>
@@ -18028,7 +17772,7 @@
 </p:notes>
 </file>
 
-<file path=ppt/notesSlides/notesSlide35.xml><?xml version="1.0" encoding="utf-8"?>
+<file path=ppt/notesSlides/notesSlide33.xml><?xml version="1.0" encoding="utf-8"?>
 <p:notes xmlns:a="http://schemas.openxmlformats.org/drawingml/2006/main" xmlns:r="http://schemas.openxmlformats.org/officeDocument/2006/relationships" xmlns:p="http://schemas.openxmlformats.org/presentationml/2006/main" showMasterSp="0" showMasterPhAnim="0">
   <p:cSld>
     <p:spTree>
@@ -18155,7 +17899,7 @@
 </p:notes>
 </file>
 
-<file path=ppt/notesSlides/notesSlide36.xml><?xml version="1.0" encoding="utf-8"?>
+<file path=ppt/notesSlides/notesSlide34.xml><?xml version="1.0" encoding="utf-8"?>
 <p:notes xmlns:a="http://schemas.openxmlformats.org/drawingml/2006/main" xmlns:r="http://schemas.openxmlformats.org/officeDocument/2006/relationships" xmlns:p="http://schemas.openxmlformats.org/presentationml/2006/main" showMasterSp="0" showMasterPhAnim="0">
   <p:cSld>
     <p:spTree>
@@ -18282,7 +18026,7 @@
 </p:notes>
 </file>
 
-<file path=ppt/notesSlides/notesSlide37.xml><?xml version="1.0" encoding="utf-8"?>
+<file path=ppt/notesSlides/notesSlide35.xml><?xml version="1.0" encoding="utf-8"?>
 <p:notes xmlns:a="http://schemas.openxmlformats.org/drawingml/2006/main" xmlns:r="http://schemas.openxmlformats.org/officeDocument/2006/relationships" xmlns:p="http://schemas.openxmlformats.org/presentationml/2006/main" showMasterSp="0" showMasterPhAnim="0">
   <p:cSld>
     <p:spTree>
@@ -18409,7 +18153,7 @@
 </p:notes>
 </file>
 
-<file path=ppt/notesSlides/notesSlide38.xml><?xml version="1.0" encoding="utf-8"?>
+<file path=ppt/notesSlides/notesSlide36.xml><?xml version="1.0" encoding="utf-8"?>
 <p:notes xmlns:a="http://schemas.openxmlformats.org/drawingml/2006/main" xmlns:r="http://schemas.openxmlformats.org/officeDocument/2006/relationships" xmlns:p="http://schemas.openxmlformats.org/presentationml/2006/main" showMasterSp="0" showMasterPhAnim="0">
   <p:cSld>
     <p:spTree>
@@ -18536,7 +18280,7 @@
 </p:notes>
 </file>
 
-<file path=ppt/notesSlides/notesSlide39.xml><?xml version="1.0" encoding="utf-8"?>
+<file path=ppt/notesSlides/notesSlide37.xml><?xml version="1.0" encoding="utf-8"?>
 <p:notes xmlns:a="http://schemas.openxmlformats.org/drawingml/2006/main" xmlns:r="http://schemas.openxmlformats.org/officeDocument/2006/relationships" xmlns:p="http://schemas.openxmlformats.org/presentationml/2006/main" showMasterSp="0" showMasterPhAnim="0">
   <p:cSld>
     <p:spTree>
@@ -18654,6 +18398,260 @@
     <p:extLst>
       <p:ext uri="{BB962C8B-B14F-4D97-AF65-F5344CB8AC3E}">
         <p14:creationId xmlns:p14="http://schemas.microsoft.com/office/powerpoint/2010/main" val="792435365"/>
+      </p:ext>
+    </p:extLst>
+  </p:cSld>
+  <p:clrMapOvr>
+    <a:masterClrMapping/>
+  </p:clrMapOvr>
+</p:notes>
+</file>
+
+<file path=ppt/notesSlides/notesSlide38.xml><?xml version="1.0" encoding="utf-8"?>
+<p:notes xmlns:a="http://schemas.openxmlformats.org/drawingml/2006/main" xmlns:r="http://schemas.openxmlformats.org/officeDocument/2006/relationships" xmlns:p="http://schemas.openxmlformats.org/presentationml/2006/main" showMasterSp="0" showMasterPhAnim="0">
+  <p:cSld>
+    <p:spTree>
+      <p:nvGrpSpPr>
+        <p:cNvPr id="1" name="Shape 122">
+          <a:extLst>
+            <a:ext uri="{FF2B5EF4-FFF2-40B4-BE49-F238E27FC236}">
+              <a16:creationId xmlns:a16="http://schemas.microsoft.com/office/drawing/2014/main" id="{FF89E10F-7E21-FD6D-C18F-5379477ABE87}"/>
+            </a:ext>
+          </a:extLst>
+        </p:cNvPr>
+        <p:cNvGrpSpPr/>
+        <p:nvPr/>
+      </p:nvGrpSpPr>
+      <p:grpSpPr>
+        <a:xfrm>
+          <a:off x="0" y="0"/>
+          <a:ext cx="0" cy="0"/>
+          <a:chOff x="0" y="0"/>
+          <a:chExt cx="0" cy="0"/>
+        </a:xfrm>
+      </p:grpSpPr>
+      <p:sp>
+        <p:nvSpPr>
+          <p:cNvPr id="123" name="Google Shape;123;g8a22a4a535_2_878:notes">
+            <a:extLst>
+              <a:ext uri="{FF2B5EF4-FFF2-40B4-BE49-F238E27FC236}">
+                <a16:creationId xmlns:a16="http://schemas.microsoft.com/office/drawing/2014/main" id="{B8494268-5E00-A490-8A77-9DBF274436E7}"/>
+              </a:ext>
+            </a:extLst>
+          </p:cNvPr>
+          <p:cNvSpPr>
+            <a:spLocks noGrp="1" noRot="1" noChangeAspect="1"/>
+          </p:cNvSpPr>
+          <p:nvPr>
+            <p:ph type="sldImg" idx="2"/>
+          </p:nvPr>
+        </p:nvSpPr>
+        <p:spPr>
+          <a:xfrm>
+            <a:off x="381000" y="685800"/>
+            <a:ext cx="6096000" cy="3429000"/>
+          </a:xfrm>
+          <a:custGeom>
+            <a:avLst/>
+            <a:gdLst/>
+            <a:ahLst/>
+            <a:cxnLst/>
+            <a:rect l="l" t="t" r="r" b="b"/>
+            <a:pathLst>
+              <a:path w="120000" h="120000" extrusionOk="0">
+                <a:moveTo>
+                  <a:pt x="0" y="0"/>
+                </a:moveTo>
+                <a:lnTo>
+                  <a:pt x="120000" y="0"/>
+                </a:lnTo>
+                <a:lnTo>
+                  <a:pt x="120000" y="120000"/>
+                </a:lnTo>
+                <a:lnTo>
+                  <a:pt x="0" y="120000"/>
+                </a:lnTo>
+                <a:close/>
+              </a:path>
+            </a:pathLst>
+          </a:custGeom>
+        </p:spPr>
+      </p:sp>
+      <p:sp>
+        <p:nvSpPr>
+          <p:cNvPr id="124" name="Google Shape;124;g8a22a4a535_2_878:notes">
+            <a:extLst>
+              <a:ext uri="{FF2B5EF4-FFF2-40B4-BE49-F238E27FC236}">
+                <a16:creationId xmlns:a16="http://schemas.microsoft.com/office/drawing/2014/main" id="{CE9DE61F-4D14-D1C6-E478-2B3AC260B5AE}"/>
+              </a:ext>
+            </a:extLst>
+          </p:cNvPr>
+          <p:cNvSpPr txBox="1">
+            <a:spLocks noGrp="1"/>
+          </p:cNvSpPr>
+          <p:nvPr>
+            <p:ph type="body" idx="1"/>
+          </p:nvPr>
+        </p:nvSpPr>
+        <p:spPr>
+          <a:xfrm>
+            <a:off x="685800" y="4343400"/>
+            <a:ext cx="5486400" cy="4114800"/>
+          </a:xfrm>
+          <a:prstGeom prst="rect">
+            <a:avLst/>
+          </a:prstGeom>
+        </p:spPr>
+        <p:txBody>
+          <a:bodyPr spcFirstLastPara="1" wrap="square" lIns="91425" tIns="91425" rIns="91425" bIns="91425" anchor="t" anchorCtr="0">
+            <a:noAutofit/>
+          </a:bodyPr>
+          <a:lstStyle/>
+          <a:p>
+            <a:pPr marL="0" lvl="0" indent="0" algn="l" rtl="0">
+              <a:spcBef>
+                <a:spcPts val="0"/>
+              </a:spcBef>
+              <a:spcAft>
+                <a:spcPts val="0"/>
+              </a:spcAft>
+              <a:buNone/>
+            </a:pPr>
+            <a:endParaRPr/>
+          </a:p>
+        </p:txBody>
+      </p:sp>
+    </p:spTree>
+    <p:extLst>
+      <p:ext uri="{BB962C8B-B14F-4D97-AF65-F5344CB8AC3E}">
+        <p14:creationId xmlns:p14="http://schemas.microsoft.com/office/powerpoint/2010/main" val="3666991948"/>
+      </p:ext>
+    </p:extLst>
+  </p:cSld>
+  <p:clrMapOvr>
+    <a:masterClrMapping/>
+  </p:clrMapOvr>
+</p:notes>
+</file>
+
+<file path=ppt/notesSlides/notesSlide39.xml><?xml version="1.0" encoding="utf-8"?>
+<p:notes xmlns:a="http://schemas.openxmlformats.org/drawingml/2006/main" xmlns:r="http://schemas.openxmlformats.org/officeDocument/2006/relationships" xmlns:p="http://schemas.openxmlformats.org/presentationml/2006/main" showMasterSp="0" showMasterPhAnim="0">
+  <p:cSld>
+    <p:spTree>
+      <p:nvGrpSpPr>
+        <p:cNvPr id="1" name="Shape 122">
+          <a:extLst>
+            <a:ext uri="{FF2B5EF4-FFF2-40B4-BE49-F238E27FC236}">
+              <a16:creationId xmlns:a16="http://schemas.microsoft.com/office/drawing/2014/main" id="{7F0727A8-4BBB-CED7-D904-A78FE07882D6}"/>
+            </a:ext>
+          </a:extLst>
+        </p:cNvPr>
+        <p:cNvGrpSpPr/>
+        <p:nvPr/>
+      </p:nvGrpSpPr>
+      <p:grpSpPr>
+        <a:xfrm>
+          <a:off x="0" y="0"/>
+          <a:ext cx="0" cy="0"/>
+          <a:chOff x="0" y="0"/>
+          <a:chExt cx="0" cy="0"/>
+        </a:xfrm>
+      </p:grpSpPr>
+      <p:sp>
+        <p:nvSpPr>
+          <p:cNvPr id="123" name="Google Shape;123;g8a22a4a535_2_878:notes">
+            <a:extLst>
+              <a:ext uri="{FF2B5EF4-FFF2-40B4-BE49-F238E27FC236}">
+                <a16:creationId xmlns:a16="http://schemas.microsoft.com/office/drawing/2014/main" id="{98CB0661-0367-EBD8-D10F-3B72E4557DE4}"/>
+              </a:ext>
+            </a:extLst>
+          </p:cNvPr>
+          <p:cNvSpPr>
+            <a:spLocks noGrp="1" noRot="1" noChangeAspect="1"/>
+          </p:cNvSpPr>
+          <p:nvPr>
+            <p:ph type="sldImg" idx="2"/>
+          </p:nvPr>
+        </p:nvSpPr>
+        <p:spPr>
+          <a:xfrm>
+            <a:off x="381000" y="685800"/>
+            <a:ext cx="6096000" cy="3429000"/>
+          </a:xfrm>
+          <a:custGeom>
+            <a:avLst/>
+            <a:gdLst/>
+            <a:ahLst/>
+            <a:cxnLst/>
+            <a:rect l="l" t="t" r="r" b="b"/>
+            <a:pathLst>
+              <a:path w="120000" h="120000" extrusionOk="0">
+                <a:moveTo>
+                  <a:pt x="0" y="0"/>
+                </a:moveTo>
+                <a:lnTo>
+                  <a:pt x="120000" y="0"/>
+                </a:lnTo>
+                <a:lnTo>
+                  <a:pt x="120000" y="120000"/>
+                </a:lnTo>
+                <a:lnTo>
+                  <a:pt x="0" y="120000"/>
+                </a:lnTo>
+                <a:close/>
+              </a:path>
+            </a:pathLst>
+          </a:custGeom>
+        </p:spPr>
+      </p:sp>
+      <p:sp>
+        <p:nvSpPr>
+          <p:cNvPr id="124" name="Google Shape;124;g8a22a4a535_2_878:notes">
+            <a:extLst>
+              <a:ext uri="{FF2B5EF4-FFF2-40B4-BE49-F238E27FC236}">
+                <a16:creationId xmlns:a16="http://schemas.microsoft.com/office/drawing/2014/main" id="{F68A0D70-A9F8-0420-A438-90A16E4E603D}"/>
+              </a:ext>
+            </a:extLst>
+          </p:cNvPr>
+          <p:cNvSpPr txBox="1">
+            <a:spLocks noGrp="1"/>
+          </p:cNvSpPr>
+          <p:nvPr>
+            <p:ph type="body" idx="1"/>
+          </p:nvPr>
+        </p:nvSpPr>
+        <p:spPr>
+          <a:xfrm>
+            <a:off x="685800" y="4343400"/>
+            <a:ext cx="5486400" cy="4114800"/>
+          </a:xfrm>
+          <a:prstGeom prst="rect">
+            <a:avLst/>
+          </a:prstGeom>
+        </p:spPr>
+        <p:txBody>
+          <a:bodyPr spcFirstLastPara="1" wrap="square" lIns="91425" tIns="91425" rIns="91425" bIns="91425" anchor="t" anchorCtr="0">
+            <a:noAutofit/>
+          </a:bodyPr>
+          <a:lstStyle/>
+          <a:p>
+            <a:pPr marL="0" lvl="0" indent="0" algn="l" rtl="0">
+              <a:spcBef>
+                <a:spcPts val="0"/>
+              </a:spcBef>
+              <a:spcAft>
+                <a:spcPts val="0"/>
+              </a:spcAft>
+              <a:buNone/>
+            </a:pPr>
+            <a:endParaRPr dirty="0"/>
+          </a:p>
+        </p:txBody>
+      </p:sp>
+    </p:spTree>
+    <p:extLst>
+      <p:ext uri="{BB962C8B-B14F-4D97-AF65-F5344CB8AC3E}">
+        <p14:creationId xmlns:p14="http://schemas.microsoft.com/office/powerpoint/2010/main" val="295773096"/>
       </p:ext>
     </p:extLst>
   </p:cSld>
@@ -18798,260 +18796,6 @@
         <p:cNvPr id="1" name="Shape 122">
           <a:extLst>
             <a:ext uri="{FF2B5EF4-FFF2-40B4-BE49-F238E27FC236}">
-              <a16:creationId xmlns:a16="http://schemas.microsoft.com/office/drawing/2014/main" id="{FF89E10F-7E21-FD6D-C18F-5379477ABE87}"/>
-            </a:ext>
-          </a:extLst>
-        </p:cNvPr>
-        <p:cNvGrpSpPr/>
-        <p:nvPr/>
-      </p:nvGrpSpPr>
-      <p:grpSpPr>
-        <a:xfrm>
-          <a:off x="0" y="0"/>
-          <a:ext cx="0" cy="0"/>
-          <a:chOff x="0" y="0"/>
-          <a:chExt cx="0" cy="0"/>
-        </a:xfrm>
-      </p:grpSpPr>
-      <p:sp>
-        <p:nvSpPr>
-          <p:cNvPr id="123" name="Google Shape;123;g8a22a4a535_2_878:notes">
-            <a:extLst>
-              <a:ext uri="{FF2B5EF4-FFF2-40B4-BE49-F238E27FC236}">
-                <a16:creationId xmlns:a16="http://schemas.microsoft.com/office/drawing/2014/main" id="{B8494268-5E00-A490-8A77-9DBF274436E7}"/>
-              </a:ext>
-            </a:extLst>
-          </p:cNvPr>
-          <p:cNvSpPr>
-            <a:spLocks noGrp="1" noRot="1" noChangeAspect="1"/>
-          </p:cNvSpPr>
-          <p:nvPr>
-            <p:ph type="sldImg" idx="2"/>
-          </p:nvPr>
-        </p:nvSpPr>
-        <p:spPr>
-          <a:xfrm>
-            <a:off x="381000" y="685800"/>
-            <a:ext cx="6096000" cy="3429000"/>
-          </a:xfrm>
-          <a:custGeom>
-            <a:avLst/>
-            <a:gdLst/>
-            <a:ahLst/>
-            <a:cxnLst/>
-            <a:rect l="l" t="t" r="r" b="b"/>
-            <a:pathLst>
-              <a:path w="120000" h="120000" extrusionOk="0">
-                <a:moveTo>
-                  <a:pt x="0" y="0"/>
-                </a:moveTo>
-                <a:lnTo>
-                  <a:pt x="120000" y="0"/>
-                </a:lnTo>
-                <a:lnTo>
-                  <a:pt x="120000" y="120000"/>
-                </a:lnTo>
-                <a:lnTo>
-                  <a:pt x="0" y="120000"/>
-                </a:lnTo>
-                <a:close/>
-              </a:path>
-            </a:pathLst>
-          </a:custGeom>
-        </p:spPr>
-      </p:sp>
-      <p:sp>
-        <p:nvSpPr>
-          <p:cNvPr id="124" name="Google Shape;124;g8a22a4a535_2_878:notes">
-            <a:extLst>
-              <a:ext uri="{FF2B5EF4-FFF2-40B4-BE49-F238E27FC236}">
-                <a16:creationId xmlns:a16="http://schemas.microsoft.com/office/drawing/2014/main" id="{CE9DE61F-4D14-D1C6-E478-2B3AC260B5AE}"/>
-              </a:ext>
-            </a:extLst>
-          </p:cNvPr>
-          <p:cNvSpPr txBox="1">
-            <a:spLocks noGrp="1"/>
-          </p:cNvSpPr>
-          <p:nvPr>
-            <p:ph type="body" idx="1"/>
-          </p:nvPr>
-        </p:nvSpPr>
-        <p:spPr>
-          <a:xfrm>
-            <a:off x="685800" y="4343400"/>
-            <a:ext cx="5486400" cy="4114800"/>
-          </a:xfrm>
-          <a:prstGeom prst="rect">
-            <a:avLst/>
-          </a:prstGeom>
-        </p:spPr>
-        <p:txBody>
-          <a:bodyPr spcFirstLastPara="1" wrap="square" lIns="91425" tIns="91425" rIns="91425" bIns="91425" anchor="t" anchorCtr="0">
-            <a:noAutofit/>
-          </a:bodyPr>
-          <a:lstStyle/>
-          <a:p>
-            <a:pPr marL="0" lvl="0" indent="0" algn="l" rtl="0">
-              <a:spcBef>
-                <a:spcPts val="0"/>
-              </a:spcBef>
-              <a:spcAft>
-                <a:spcPts val="0"/>
-              </a:spcAft>
-              <a:buNone/>
-            </a:pPr>
-            <a:endParaRPr/>
-          </a:p>
-        </p:txBody>
-      </p:sp>
-    </p:spTree>
-    <p:extLst>
-      <p:ext uri="{BB962C8B-B14F-4D97-AF65-F5344CB8AC3E}">
-        <p14:creationId xmlns:p14="http://schemas.microsoft.com/office/powerpoint/2010/main" val="3666991948"/>
-      </p:ext>
-    </p:extLst>
-  </p:cSld>
-  <p:clrMapOvr>
-    <a:masterClrMapping/>
-  </p:clrMapOvr>
-</p:notes>
-</file>
-
-<file path=ppt/notesSlides/notesSlide41.xml><?xml version="1.0" encoding="utf-8"?>
-<p:notes xmlns:a="http://schemas.openxmlformats.org/drawingml/2006/main" xmlns:r="http://schemas.openxmlformats.org/officeDocument/2006/relationships" xmlns:p="http://schemas.openxmlformats.org/presentationml/2006/main" showMasterSp="0" showMasterPhAnim="0">
-  <p:cSld>
-    <p:spTree>
-      <p:nvGrpSpPr>
-        <p:cNvPr id="1" name="Shape 122">
-          <a:extLst>
-            <a:ext uri="{FF2B5EF4-FFF2-40B4-BE49-F238E27FC236}">
-              <a16:creationId xmlns:a16="http://schemas.microsoft.com/office/drawing/2014/main" id="{7F0727A8-4BBB-CED7-D904-A78FE07882D6}"/>
-            </a:ext>
-          </a:extLst>
-        </p:cNvPr>
-        <p:cNvGrpSpPr/>
-        <p:nvPr/>
-      </p:nvGrpSpPr>
-      <p:grpSpPr>
-        <a:xfrm>
-          <a:off x="0" y="0"/>
-          <a:ext cx="0" cy="0"/>
-          <a:chOff x="0" y="0"/>
-          <a:chExt cx="0" cy="0"/>
-        </a:xfrm>
-      </p:grpSpPr>
-      <p:sp>
-        <p:nvSpPr>
-          <p:cNvPr id="123" name="Google Shape;123;g8a22a4a535_2_878:notes">
-            <a:extLst>
-              <a:ext uri="{FF2B5EF4-FFF2-40B4-BE49-F238E27FC236}">
-                <a16:creationId xmlns:a16="http://schemas.microsoft.com/office/drawing/2014/main" id="{98CB0661-0367-EBD8-D10F-3B72E4557DE4}"/>
-              </a:ext>
-            </a:extLst>
-          </p:cNvPr>
-          <p:cNvSpPr>
-            <a:spLocks noGrp="1" noRot="1" noChangeAspect="1"/>
-          </p:cNvSpPr>
-          <p:nvPr>
-            <p:ph type="sldImg" idx="2"/>
-          </p:nvPr>
-        </p:nvSpPr>
-        <p:spPr>
-          <a:xfrm>
-            <a:off x="381000" y="685800"/>
-            <a:ext cx="6096000" cy="3429000"/>
-          </a:xfrm>
-          <a:custGeom>
-            <a:avLst/>
-            <a:gdLst/>
-            <a:ahLst/>
-            <a:cxnLst/>
-            <a:rect l="l" t="t" r="r" b="b"/>
-            <a:pathLst>
-              <a:path w="120000" h="120000" extrusionOk="0">
-                <a:moveTo>
-                  <a:pt x="0" y="0"/>
-                </a:moveTo>
-                <a:lnTo>
-                  <a:pt x="120000" y="0"/>
-                </a:lnTo>
-                <a:lnTo>
-                  <a:pt x="120000" y="120000"/>
-                </a:lnTo>
-                <a:lnTo>
-                  <a:pt x="0" y="120000"/>
-                </a:lnTo>
-                <a:close/>
-              </a:path>
-            </a:pathLst>
-          </a:custGeom>
-        </p:spPr>
-      </p:sp>
-      <p:sp>
-        <p:nvSpPr>
-          <p:cNvPr id="124" name="Google Shape;124;g8a22a4a535_2_878:notes">
-            <a:extLst>
-              <a:ext uri="{FF2B5EF4-FFF2-40B4-BE49-F238E27FC236}">
-                <a16:creationId xmlns:a16="http://schemas.microsoft.com/office/drawing/2014/main" id="{F68A0D70-A9F8-0420-A438-90A16E4E603D}"/>
-              </a:ext>
-            </a:extLst>
-          </p:cNvPr>
-          <p:cNvSpPr txBox="1">
-            <a:spLocks noGrp="1"/>
-          </p:cNvSpPr>
-          <p:nvPr>
-            <p:ph type="body" idx="1"/>
-          </p:nvPr>
-        </p:nvSpPr>
-        <p:spPr>
-          <a:xfrm>
-            <a:off x="685800" y="4343400"/>
-            <a:ext cx="5486400" cy="4114800"/>
-          </a:xfrm>
-          <a:prstGeom prst="rect">
-            <a:avLst/>
-          </a:prstGeom>
-        </p:spPr>
-        <p:txBody>
-          <a:bodyPr spcFirstLastPara="1" wrap="square" lIns="91425" tIns="91425" rIns="91425" bIns="91425" anchor="t" anchorCtr="0">
-            <a:noAutofit/>
-          </a:bodyPr>
-          <a:lstStyle/>
-          <a:p>
-            <a:pPr marL="0" lvl="0" indent="0" algn="l" rtl="0">
-              <a:spcBef>
-                <a:spcPts val="0"/>
-              </a:spcBef>
-              <a:spcAft>
-                <a:spcPts val="0"/>
-              </a:spcAft>
-              <a:buNone/>
-            </a:pPr>
-            <a:endParaRPr/>
-          </a:p>
-        </p:txBody>
-      </p:sp>
-    </p:spTree>
-    <p:extLst>
-      <p:ext uri="{BB962C8B-B14F-4D97-AF65-F5344CB8AC3E}">
-        <p14:creationId xmlns:p14="http://schemas.microsoft.com/office/powerpoint/2010/main" val="295773096"/>
-      </p:ext>
-    </p:extLst>
-  </p:cSld>
-  <p:clrMapOvr>
-    <a:masterClrMapping/>
-  </p:clrMapOvr>
-</p:notes>
-</file>
-
-<file path=ppt/notesSlides/notesSlide42.xml><?xml version="1.0" encoding="utf-8"?>
-<p:notes xmlns:a="http://schemas.openxmlformats.org/drawingml/2006/main" xmlns:r="http://schemas.openxmlformats.org/officeDocument/2006/relationships" xmlns:p="http://schemas.openxmlformats.org/presentationml/2006/main" showMasterSp="0" showMasterPhAnim="0">
-  <p:cSld>
-    <p:spTree>
-      <p:nvGrpSpPr>
-        <p:cNvPr id="1" name="Shape 122">
-          <a:extLst>
-            <a:ext uri="{FF2B5EF4-FFF2-40B4-BE49-F238E27FC236}">
               <a16:creationId xmlns:a16="http://schemas.microsoft.com/office/drawing/2014/main" id="{1A132009-CD73-885D-F46E-AF9DE0AB9401}"/>
             </a:ext>
           </a:extLst>
@@ -19171,7 +18915,7 @@
 </p:notes>
 </file>
 
-<file path=ppt/notesSlides/notesSlide43.xml><?xml version="1.0" encoding="utf-8"?>
+<file path=ppt/notesSlides/notesSlide41.xml><?xml version="1.0" encoding="utf-8"?>
 <p:notes xmlns:a="http://schemas.openxmlformats.org/drawingml/2006/main" xmlns:r="http://schemas.openxmlformats.org/officeDocument/2006/relationships" xmlns:p="http://schemas.openxmlformats.org/presentationml/2006/main" showMasterSp="0" showMasterPhAnim="0">
   <p:cSld>
     <p:spTree>
@@ -26781,374 +26525,6 @@
 <file path=ppt/slides/slide17.xml><?xml version="1.0" encoding="utf-8"?>
 <p:sld xmlns:a="http://schemas.openxmlformats.org/drawingml/2006/main" xmlns:r="http://schemas.openxmlformats.org/officeDocument/2006/relationships" xmlns:p="http://schemas.openxmlformats.org/presentationml/2006/main">
   <p:cSld>
-    <p:spTree>
-      <p:nvGrpSpPr>
-        <p:cNvPr id="1" name="Shape 125">
-          <a:extLst>
-            <a:ext uri="{FF2B5EF4-FFF2-40B4-BE49-F238E27FC236}">
-              <a16:creationId xmlns:a16="http://schemas.microsoft.com/office/drawing/2014/main" id="{E8DCF22E-53A0-55AF-FBEC-124E9E8C2C93}"/>
-            </a:ext>
-          </a:extLst>
-        </p:cNvPr>
-        <p:cNvGrpSpPr/>
-        <p:nvPr/>
-      </p:nvGrpSpPr>
-      <p:grpSpPr>
-        <a:xfrm>
-          <a:off x="0" y="0"/>
-          <a:ext cx="0" cy="0"/>
-          <a:chOff x="0" y="0"/>
-          <a:chExt cx="0" cy="0"/>
-        </a:xfrm>
-      </p:grpSpPr>
-      <p:sp>
-        <p:nvSpPr>
-          <p:cNvPr id="4" name="Title 3">
-            <a:extLst>
-              <a:ext uri="{FF2B5EF4-FFF2-40B4-BE49-F238E27FC236}">
-                <a16:creationId xmlns:a16="http://schemas.microsoft.com/office/drawing/2014/main" id="{B2ED7F0D-93B4-B87B-7F0C-D5DFA3769A7E}"/>
-              </a:ext>
-            </a:extLst>
-          </p:cNvPr>
-          <p:cNvSpPr>
-            <a:spLocks noGrp="1"/>
-          </p:cNvSpPr>
-          <p:nvPr>
-            <p:ph type="title"/>
-          </p:nvPr>
-        </p:nvSpPr>
-        <p:spPr/>
-        <p:txBody>
-          <a:bodyPr/>
-          <a:lstStyle/>
-          <a:p>
-            <a:r>
-              <a:rPr lang="en-US"/>
-              <a:t>Outliers </a:t>
-            </a:r>
-            <a:endParaRPr lang="en-US" dirty="0"/>
-          </a:p>
-        </p:txBody>
-      </p:sp>
-      <p:sp>
-        <p:nvSpPr>
-          <p:cNvPr id="6" name="Google Shape;236;p18">
-            <a:extLst>
-              <a:ext uri="{FF2B5EF4-FFF2-40B4-BE49-F238E27FC236}">
-                <a16:creationId xmlns:a16="http://schemas.microsoft.com/office/drawing/2014/main" id="{BE7651E8-8388-88CF-C83A-B6F5E6D61515}"/>
-              </a:ext>
-            </a:extLst>
-          </p:cNvPr>
-          <p:cNvSpPr txBox="1"/>
-          <p:nvPr/>
-        </p:nvSpPr>
-        <p:spPr>
-          <a:xfrm>
-            <a:off x="754663" y="1127162"/>
-            <a:ext cx="7549365" cy="3545847"/>
-          </a:xfrm>
-          <a:prstGeom prst="rect">
-            <a:avLst/>
-          </a:prstGeom>
-          <a:noFill/>
-          <a:ln>
-            <a:noFill/>
-          </a:ln>
-        </p:spPr>
-        <p:txBody>
-          <a:bodyPr spcFirstLastPara="1" wrap="square" lIns="91425" tIns="91425" rIns="91425" bIns="91425" anchor="ctr" anchorCtr="0">
-            <a:noAutofit/>
-          </a:bodyPr>
-          <a:lstStyle/>
-          <a:p>
-            <a:pPr marL="342900" marR="0" lvl="0" indent="-342900" rtl="0">
-              <a:lnSpc>
-                <a:spcPct val="115000"/>
-              </a:lnSpc>
-              <a:buFont typeface="Aptos" panose="020B0004020202020204" pitchFamily="34" charset="0"/>
-              <a:buChar char="-"/>
-            </a:pPr>
-            <a:r>
-              <a:rPr lang="en-US" sz="1800" dirty="0">
-                <a:effectLst/>
-                <a:latin typeface="Aptos" panose="020B0004020202020204" pitchFamily="34" charset="0"/>
-                <a:ea typeface="Aptos" panose="020B0004020202020204" pitchFamily="34" charset="0"/>
-                <a:cs typeface="Arial" panose="020B0604020202020204" pitchFamily="34" charset="0"/>
-              </a:rPr>
-              <a:t>Eliminating records with temperature higher than 56.7 C as reported in this </a:t>
-            </a:r>
-            <a:r>
-              <a:rPr lang="en-US" sz="1800" u="sng" dirty="0">
-                <a:solidFill>
-                  <a:srgbClr val="467886"/>
-                </a:solidFill>
-                <a:effectLst/>
-                <a:latin typeface="Aptos" panose="020B0004020202020204" pitchFamily="34" charset="0"/>
-                <a:ea typeface="Aptos" panose="020B0004020202020204" pitchFamily="34" charset="0"/>
-                <a:cs typeface="Arial" panose="020B0604020202020204" pitchFamily="34" charset="0"/>
-                <a:hlinkClick r:id="rId3"/>
-              </a:rPr>
-              <a:t>article</a:t>
-            </a:r>
-            <a:r>
-              <a:rPr lang="en-US" sz="1800" dirty="0">
-                <a:effectLst/>
-                <a:latin typeface="Aptos" panose="020B0004020202020204" pitchFamily="34" charset="0"/>
-                <a:ea typeface="Aptos" panose="020B0004020202020204" pitchFamily="34" charset="0"/>
-                <a:cs typeface="Arial" panose="020B0604020202020204" pitchFamily="34" charset="0"/>
-              </a:rPr>
-              <a:t> that the maximum US temperature was 134.4°F (56.7°C)  </a:t>
-            </a:r>
-          </a:p>
-          <a:p>
-            <a:pPr marL="342900" marR="0" lvl="0" indent="-342900">
-              <a:lnSpc>
-                <a:spcPct val="115000"/>
-              </a:lnSpc>
-              <a:spcAft>
-                <a:spcPts val="1000"/>
-              </a:spcAft>
-              <a:buFont typeface="Aptos" panose="020B0004020202020204" pitchFamily="34" charset="0"/>
-              <a:buChar char="-"/>
-            </a:pPr>
-            <a:r>
-              <a:rPr lang="en-US" sz="1800" dirty="0">
-                <a:effectLst/>
-                <a:latin typeface="Aptos" panose="020B0004020202020204" pitchFamily="34" charset="0"/>
-                <a:ea typeface="Aptos" panose="020B0004020202020204" pitchFamily="34" charset="0"/>
-                <a:cs typeface="Arial" panose="020B0604020202020204" pitchFamily="34" charset="0"/>
-              </a:rPr>
-              <a:t>For Wind Speed values, we identified outliers by considering the maximum observed wind speeds. According to the World Meteorological Organization, the highest recorded wind speed was 254 mph (408 km/h). We decided to remove any records with wind speeds exceeding this threshold to eliminate extreme outliers.</a:t>
-            </a:r>
-          </a:p>
-          <a:p>
-            <a:pPr marL="342900" marR="0" lvl="0" indent="-342900">
-              <a:lnSpc>
-                <a:spcPct val="115000"/>
-              </a:lnSpc>
-              <a:spcAft>
-                <a:spcPts val="1000"/>
-              </a:spcAft>
-              <a:buFont typeface="Aptos" panose="020B0004020202020204" pitchFamily="34" charset="0"/>
-              <a:buChar char="-"/>
-            </a:pPr>
-            <a:r>
-              <a:rPr lang="en-US" sz="1800" dirty="0">
-                <a:latin typeface="Aptos" panose="020B0004020202020204" pitchFamily="34" charset="0"/>
-                <a:ea typeface="Aptos" panose="020B0004020202020204" pitchFamily="34" charset="0"/>
-                <a:cs typeface="Arial" panose="020B0604020202020204" pitchFamily="34" charset="0"/>
-              </a:rPr>
-              <a:t>We used IQR in other columns</a:t>
-            </a:r>
-            <a:endParaRPr lang="en-US" sz="1800" dirty="0">
-              <a:effectLst/>
-              <a:latin typeface="Aptos" panose="020B0004020202020204" pitchFamily="34" charset="0"/>
-              <a:ea typeface="Aptos" panose="020B0004020202020204" pitchFamily="34" charset="0"/>
-              <a:cs typeface="Arial" panose="020B0604020202020204" pitchFamily="34" charset="0"/>
-            </a:endParaRPr>
-          </a:p>
-        </p:txBody>
-      </p:sp>
-    </p:spTree>
-    <p:extLst>
-      <p:ext uri="{BB962C8B-B14F-4D97-AF65-F5344CB8AC3E}">
-        <p14:creationId xmlns:p14="http://schemas.microsoft.com/office/powerpoint/2010/main" val="560753375"/>
-      </p:ext>
-    </p:extLst>
-  </p:cSld>
-  <p:clrMapOvr>
-    <a:masterClrMapping/>
-  </p:clrMapOvr>
-</p:sld>
-</file>
-
-<file path=ppt/slides/slide18.xml><?xml version="1.0" encoding="utf-8"?>
-<p:sld xmlns:a="http://schemas.openxmlformats.org/drawingml/2006/main" xmlns:r="http://schemas.openxmlformats.org/officeDocument/2006/relationships" xmlns:p="http://schemas.openxmlformats.org/presentationml/2006/main">
-  <p:cSld>
-    <p:spTree>
-      <p:nvGrpSpPr>
-        <p:cNvPr id="1" name="Shape 125">
-          <a:extLst>
-            <a:ext uri="{FF2B5EF4-FFF2-40B4-BE49-F238E27FC236}">
-              <a16:creationId xmlns:a16="http://schemas.microsoft.com/office/drawing/2014/main" id="{93CF4762-722C-3B3E-2977-0CDB9D32C9CF}"/>
-            </a:ext>
-          </a:extLst>
-        </p:cNvPr>
-        <p:cNvGrpSpPr/>
-        <p:nvPr/>
-      </p:nvGrpSpPr>
-      <p:grpSpPr>
-        <a:xfrm>
-          <a:off x="0" y="0"/>
-          <a:ext cx="0" cy="0"/>
-          <a:chOff x="0" y="0"/>
-          <a:chExt cx="0" cy="0"/>
-        </a:xfrm>
-      </p:grpSpPr>
-      <p:sp>
-        <p:nvSpPr>
-          <p:cNvPr id="4" name="Title 3">
-            <a:extLst>
-              <a:ext uri="{FF2B5EF4-FFF2-40B4-BE49-F238E27FC236}">
-                <a16:creationId xmlns:a16="http://schemas.microsoft.com/office/drawing/2014/main" id="{06423F84-1261-F350-8197-FC027F44A024}"/>
-              </a:ext>
-            </a:extLst>
-          </p:cNvPr>
-          <p:cNvSpPr>
-            <a:spLocks noGrp="1"/>
-          </p:cNvSpPr>
-          <p:nvPr>
-            <p:ph type="title"/>
-          </p:nvPr>
-        </p:nvSpPr>
-        <p:spPr/>
-        <p:txBody>
-          <a:bodyPr/>
-          <a:lstStyle/>
-          <a:p>
-            <a:r>
-              <a:rPr lang="en-US"/>
-              <a:t>Outliers </a:t>
-            </a:r>
-            <a:endParaRPr lang="en-US" dirty="0"/>
-          </a:p>
-        </p:txBody>
-      </p:sp>
-      <p:sp>
-        <p:nvSpPr>
-          <p:cNvPr id="6" name="Google Shape;236;p18">
-            <a:extLst>
-              <a:ext uri="{FF2B5EF4-FFF2-40B4-BE49-F238E27FC236}">
-                <a16:creationId xmlns:a16="http://schemas.microsoft.com/office/drawing/2014/main" id="{31E1CCC7-6C1C-7C34-950C-9DD44CB5E377}"/>
-              </a:ext>
-            </a:extLst>
-          </p:cNvPr>
-          <p:cNvSpPr txBox="1"/>
-          <p:nvPr/>
-        </p:nvSpPr>
-        <p:spPr>
-          <a:xfrm>
-            <a:off x="754663" y="1127162"/>
-            <a:ext cx="7549365" cy="3545847"/>
-          </a:xfrm>
-          <a:prstGeom prst="rect">
-            <a:avLst/>
-          </a:prstGeom>
-          <a:noFill/>
-          <a:ln>
-            <a:noFill/>
-          </a:ln>
-        </p:spPr>
-        <p:txBody>
-          <a:bodyPr spcFirstLastPara="1" wrap="square" lIns="91425" tIns="91425" rIns="91425" bIns="91425" anchor="ctr" anchorCtr="0">
-            <a:noAutofit/>
-          </a:bodyPr>
-          <a:lstStyle/>
-          <a:p>
-            <a:pPr marL="342900" marR="0" lvl="0" indent="-342900" rtl="0">
-              <a:lnSpc>
-                <a:spcPct val="115000"/>
-              </a:lnSpc>
-              <a:buFont typeface="Aptos" panose="020B0004020202020204" pitchFamily="34" charset="0"/>
-              <a:buChar char="-"/>
-            </a:pPr>
-            <a:r>
-              <a:rPr lang="en-US" sz="1800" dirty="0">
-                <a:effectLst/>
-                <a:latin typeface="Aptos" panose="020B0004020202020204" pitchFamily="34" charset="0"/>
-                <a:ea typeface="Aptos" panose="020B0004020202020204" pitchFamily="34" charset="0"/>
-                <a:cs typeface="Arial" panose="020B0604020202020204" pitchFamily="34" charset="0"/>
-              </a:rPr>
-              <a:t>Eliminating records with temperature higher than 56.7 C as reported in this </a:t>
-            </a:r>
-            <a:r>
-              <a:rPr lang="en-US" sz="1800" u="sng" dirty="0">
-                <a:solidFill>
-                  <a:srgbClr val="467886"/>
-                </a:solidFill>
-                <a:effectLst/>
-                <a:latin typeface="Aptos" panose="020B0004020202020204" pitchFamily="34" charset="0"/>
-                <a:ea typeface="Aptos" panose="020B0004020202020204" pitchFamily="34" charset="0"/>
-                <a:cs typeface="Arial" panose="020B0604020202020204" pitchFamily="34" charset="0"/>
-                <a:hlinkClick r:id="rId3"/>
-              </a:rPr>
-              <a:t>article</a:t>
-            </a:r>
-            <a:r>
-              <a:rPr lang="en-US" sz="1800" dirty="0">
-                <a:effectLst/>
-                <a:latin typeface="Aptos" panose="020B0004020202020204" pitchFamily="34" charset="0"/>
-                <a:ea typeface="Aptos" panose="020B0004020202020204" pitchFamily="34" charset="0"/>
-                <a:cs typeface="Arial" panose="020B0604020202020204" pitchFamily="34" charset="0"/>
-              </a:rPr>
-              <a:t> that the maximum US temperature was 134.4°F (56.7°C)  </a:t>
-            </a:r>
-          </a:p>
-          <a:p>
-            <a:pPr marL="342900" marR="0" lvl="0" indent="-342900">
-              <a:lnSpc>
-                <a:spcPct val="115000"/>
-              </a:lnSpc>
-              <a:spcAft>
-                <a:spcPts val="1000"/>
-              </a:spcAft>
-              <a:buFont typeface="Aptos" panose="020B0004020202020204" pitchFamily="34" charset="0"/>
-              <a:buChar char="-"/>
-            </a:pPr>
-            <a:r>
-              <a:rPr lang="en-US" sz="1800" dirty="0">
-                <a:effectLst/>
-                <a:latin typeface="Aptos" panose="020B0004020202020204" pitchFamily="34" charset="0"/>
-                <a:ea typeface="Aptos" panose="020B0004020202020204" pitchFamily="34" charset="0"/>
-                <a:cs typeface="Arial" panose="020B0604020202020204" pitchFamily="34" charset="0"/>
-              </a:rPr>
-              <a:t>For Wind Speed values, we identified outliers by considering the maximum observed wind speeds. According to the World Meteorological Organization, the highest recorded wind speed was 254 mph (408 km/h). We decided to remove any records with wind speeds exceeding this threshold to eliminate extreme outliers.</a:t>
-            </a:r>
-          </a:p>
-          <a:p>
-            <a:pPr marL="342900" marR="0" lvl="0" indent="-342900">
-              <a:lnSpc>
-                <a:spcPct val="115000"/>
-              </a:lnSpc>
-              <a:spcAft>
-                <a:spcPts val="1000"/>
-              </a:spcAft>
-              <a:buFont typeface="Aptos" panose="020B0004020202020204" pitchFamily="34" charset="0"/>
-              <a:buChar char="-"/>
-            </a:pPr>
-            <a:r>
-              <a:rPr lang="en-US" sz="1800" dirty="0">
-                <a:latin typeface="Aptos" panose="020B0004020202020204" pitchFamily="34" charset="0"/>
-                <a:ea typeface="Aptos" panose="020B0004020202020204" pitchFamily="34" charset="0"/>
-                <a:cs typeface="Arial" panose="020B0604020202020204" pitchFamily="34" charset="0"/>
-              </a:rPr>
-              <a:t>We used IQR in other columns</a:t>
-            </a:r>
-            <a:endParaRPr lang="en-US" sz="1800" dirty="0">
-              <a:effectLst/>
-              <a:latin typeface="Aptos" panose="020B0004020202020204" pitchFamily="34" charset="0"/>
-              <a:ea typeface="Aptos" panose="020B0004020202020204" pitchFamily="34" charset="0"/>
-              <a:cs typeface="Arial" panose="020B0604020202020204" pitchFamily="34" charset="0"/>
-            </a:endParaRPr>
-          </a:p>
-        </p:txBody>
-      </p:sp>
-    </p:spTree>
-    <p:extLst>
-      <p:ext uri="{BB962C8B-B14F-4D97-AF65-F5344CB8AC3E}">
-        <p14:creationId xmlns:p14="http://schemas.microsoft.com/office/powerpoint/2010/main" val="815523003"/>
-      </p:ext>
-    </p:extLst>
-  </p:cSld>
-  <p:clrMapOvr>
-    <a:masterClrMapping/>
-  </p:clrMapOvr>
-</p:sld>
-</file>
-
-<file path=ppt/slides/slide19.xml><?xml version="1.0" encoding="utf-8"?>
-<p:sld xmlns:a="http://schemas.openxmlformats.org/drawingml/2006/main" xmlns:r="http://schemas.openxmlformats.org/officeDocument/2006/relationships" xmlns:p="http://schemas.openxmlformats.org/presentationml/2006/main">
-  <p:cSld>
     <p:bg>
       <p:bgPr>
         <a:solidFill>
@@ -27483,199 +26859,7 @@
 </p:sld>
 </file>
 
-<file path=ppt/slides/slide2.xml><?xml version="1.0" encoding="utf-8"?>
-<p:sld xmlns:a="http://schemas.openxmlformats.org/drawingml/2006/main" xmlns:r="http://schemas.openxmlformats.org/officeDocument/2006/relationships" xmlns:p="http://schemas.openxmlformats.org/presentationml/2006/main">
-  <p:cSld>
-    <p:spTree>
-      <p:nvGrpSpPr>
-        <p:cNvPr id="1" name="Shape 180">
-          <a:extLst>
-            <a:ext uri="{FF2B5EF4-FFF2-40B4-BE49-F238E27FC236}">
-              <a16:creationId xmlns:a16="http://schemas.microsoft.com/office/drawing/2014/main" id="{F35AE045-0285-C49D-4DB7-06BEDEDDD628}"/>
-            </a:ext>
-          </a:extLst>
-        </p:cNvPr>
-        <p:cNvGrpSpPr/>
-        <p:nvPr/>
-      </p:nvGrpSpPr>
-      <p:grpSpPr>
-        <a:xfrm>
-          <a:off x="0" y="0"/>
-          <a:ext cx="0" cy="0"/>
-          <a:chOff x="0" y="0"/>
-          <a:chExt cx="0" cy="0"/>
-        </a:xfrm>
-      </p:grpSpPr>
-      <p:sp>
-        <p:nvSpPr>
-          <p:cNvPr id="192" name="Google Shape;192;p18">
-            <a:extLst>
-              <a:ext uri="{FF2B5EF4-FFF2-40B4-BE49-F238E27FC236}">
-                <a16:creationId xmlns:a16="http://schemas.microsoft.com/office/drawing/2014/main" id="{6E00B4CC-E126-E915-A534-570C8D959BC0}"/>
-              </a:ext>
-            </a:extLst>
-          </p:cNvPr>
-          <p:cNvSpPr txBox="1">
-            <a:spLocks noGrp="1"/>
-          </p:cNvSpPr>
-          <p:nvPr>
-            <p:ph type="title"/>
-          </p:nvPr>
-        </p:nvSpPr>
-        <p:spPr>
-          <a:xfrm>
-            <a:off x="483675" y="415425"/>
-            <a:ext cx="8203200" cy="481200"/>
-          </a:xfrm>
-          <a:prstGeom prst="rect">
-            <a:avLst/>
-          </a:prstGeom>
-        </p:spPr>
-        <p:txBody>
-          <a:bodyPr spcFirstLastPara="1" wrap="square" lIns="91425" tIns="91425" rIns="91425" bIns="91425" anchor="ctr" anchorCtr="0">
-            <a:noAutofit/>
-          </a:bodyPr>
-          <a:lstStyle/>
-          <a:p>
-            <a:pPr marL="0" lvl="0" indent="0" algn="ctr" rtl="0">
-              <a:spcBef>
-                <a:spcPts val="0"/>
-              </a:spcBef>
-              <a:spcAft>
-                <a:spcPts val="0"/>
-              </a:spcAft>
-              <a:buNone/>
-            </a:pPr>
-            <a:r>
-              <a:rPr lang="en" dirty="0">
-                <a:solidFill>
-                  <a:schemeClr val="dk1"/>
-                </a:solidFill>
-              </a:rPr>
-              <a:t>Problem Definition</a:t>
-            </a:r>
-            <a:endParaRPr dirty="0"/>
-          </a:p>
-        </p:txBody>
-      </p:sp>
-      <p:sp>
-        <p:nvSpPr>
-          <p:cNvPr id="236" name="Google Shape;236;p18">
-            <a:extLst>
-              <a:ext uri="{FF2B5EF4-FFF2-40B4-BE49-F238E27FC236}">
-                <a16:creationId xmlns:a16="http://schemas.microsoft.com/office/drawing/2014/main" id="{8BDC34F6-D5CE-382E-B483-6C2B7CDEBEB6}"/>
-              </a:ext>
-            </a:extLst>
-          </p:cNvPr>
-          <p:cNvSpPr txBox="1"/>
-          <p:nvPr/>
-        </p:nvSpPr>
-        <p:spPr>
-          <a:xfrm>
-            <a:off x="754663" y="1127162"/>
-            <a:ext cx="7549365" cy="2188967"/>
-          </a:xfrm>
-          <a:prstGeom prst="rect">
-            <a:avLst/>
-          </a:prstGeom>
-          <a:noFill/>
-          <a:ln>
-            <a:noFill/>
-          </a:ln>
-        </p:spPr>
-        <p:txBody>
-          <a:bodyPr spcFirstLastPara="1" wrap="square" lIns="91425" tIns="91425" rIns="91425" bIns="91425" anchor="ctr" anchorCtr="0">
-            <a:noAutofit/>
-          </a:bodyPr>
-          <a:lstStyle/>
-          <a:p>
-            <a:pPr marL="171450" lvl="0" indent="-171450" rtl="0">
-              <a:spcBef>
-                <a:spcPts val="0"/>
-              </a:spcBef>
-              <a:spcAft>
-                <a:spcPts val="0"/>
-              </a:spcAft>
-              <a:buFontTx/>
-              <a:buChar char="-"/>
-            </a:pPr>
-            <a:r>
-              <a:rPr lang="en-US" sz="1800" dirty="0">
-                <a:solidFill>
-                  <a:srgbClr val="434343"/>
-                </a:solidFill>
-                <a:latin typeface="Roboto"/>
-                <a:ea typeface="Roboto"/>
-                <a:cs typeface="Roboto"/>
-                <a:sym typeface="Roboto"/>
-              </a:rPr>
-              <a:t>Road safety is a critical concern, and understanding accident patterns can help cities improve traffic management and reduce accident rates. </a:t>
-            </a:r>
-          </a:p>
-          <a:p>
-            <a:pPr marL="171450" lvl="0" indent="-171450" rtl="0">
-              <a:spcBef>
-                <a:spcPts val="0"/>
-              </a:spcBef>
-              <a:spcAft>
-                <a:spcPts val="0"/>
-              </a:spcAft>
-              <a:buFontTx/>
-              <a:buChar char="-"/>
-            </a:pPr>
-            <a:r>
-              <a:rPr lang="en-US" sz="1800" dirty="0">
-                <a:solidFill>
-                  <a:srgbClr val="434343"/>
-                </a:solidFill>
-                <a:latin typeface="Roboto"/>
-                <a:ea typeface="Roboto"/>
-                <a:cs typeface="Roboto"/>
-                <a:sym typeface="Roboto"/>
-              </a:rPr>
-              <a:t>This project aims to analyze accident data to identify high-risk locations, contributing factors, and potential mitigation strategies. </a:t>
-            </a:r>
-          </a:p>
-          <a:p>
-            <a:pPr marL="171450" lvl="0" indent="-171450" rtl="0">
-              <a:spcBef>
-                <a:spcPts val="0"/>
-              </a:spcBef>
-              <a:spcAft>
-                <a:spcPts val="0"/>
-              </a:spcAft>
-              <a:buFontTx/>
-              <a:buChar char="-"/>
-            </a:pPr>
-            <a:r>
-              <a:rPr lang="en-US" sz="1800" dirty="0">
-                <a:solidFill>
-                  <a:srgbClr val="434343"/>
-                </a:solidFill>
-                <a:latin typeface="Roboto"/>
-                <a:ea typeface="Roboto"/>
-                <a:cs typeface="Roboto"/>
-                <a:sym typeface="Roboto"/>
-              </a:rPr>
-              <a:t>By leveraging big data processing, we will extract valuable insights for transportation authorities and urban planners.</a:t>
-            </a:r>
-          </a:p>
-        </p:txBody>
-      </p:sp>
-    </p:spTree>
-    <p:extLst>
-      <p:ext uri="{BB962C8B-B14F-4D97-AF65-F5344CB8AC3E}">
-        <p14:creationId xmlns:p14="http://schemas.microsoft.com/office/powerpoint/2010/main" val="1973201517"/>
-      </p:ext>
-    </p:extLst>
-  </p:cSld>
-  <p:clrMapOvr>
-    <a:masterClrMapping/>
-  </p:clrMapOvr>
-</p:sld>
-</file>
-
-<file path=ppt/slides/slide20.xml><?xml version="1.0" encoding="utf-8"?>
+<file path=ppt/slides/slide18.xml><?xml version="1.0" encoding="utf-8"?>
 <p:sld xmlns:a="http://schemas.openxmlformats.org/drawingml/2006/main" xmlns:r="http://schemas.openxmlformats.org/officeDocument/2006/relationships" xmlns:p="http://schemas.openxmlformats.org/presentationml/2006/main">
   <p:cSld>
     <p:spTree>
@@ -27806,7 +26990,7 @@
 </p:sld>
 </file>
 
-<file path=ppt/slides/slide21.xml><?xml version="1.0" encoding="utf-8"?>
+<file path=ppt/slides/slide19.xml><?xml version="1.0" encoding="utf-8"?>
 <p:sld xmlns:a="http://schemas.openxmlformats.org/drawingml/2006/main" xmlns:r="http://schemas.openxmlformats.org/officeDocument/2006/relationships" xmlns:p="http://schemas.openxmlformats.org/presentationml/2006/main">
   <p:cSld>
     <p:spTree>
@@ -27930,7 +27114,199 @@
 </p:sld>
 </file>
 
-<file path=ppt/slides/slide22.xml><?xml version="1.0" encoding="utf-8"?>
+<file path=ppt/slides/slide2.xml><?xml version="1.0" encoding="utf-8"?>
+<p:sld xmlns:a="http://schemas.openxmlformats.org/drawingml/2006/main" xmlns:r="http://schemas.openxmlformats.org/officeDocument/2006/relationships" xmlns:p="http://schemas.openxmlformats.org/presentationml/2006/main">
+  <p:cSld>
+    <p:spTree>
+      <p:nvGrpSpPr>
+        <p:cNvPr id="1" name="Shape 180">
+          <a:extLst>
+            <a:ext uri="{FF2B5EF4-FFF2-40B4-BE49-F238E27FC236}">
+              <a16:creationId xmlns:a16="http://schemas.microsoft.com/office/drawing/2014/main" id="{F35AE045-0285-C49D-4DB7-06BEDEDDD628}"/>
+            </a:ext>
+          </a:extLst>
+        </p:cNvPr>
+        <p:cNvGrpSpPr/>
+        <p:nvPr/>
+      </p:nvGrpSpPr>
+      <p:grpSpPr>
+        <a:xfrm>
+          <a:off x="0" y="0"/>
+          <a:ext cx="0" cy="0"/>
+          <a:chOff x="0" y="0"/>
+          <a:chExt cx="0" cy="0"/>
+        </a:xfrm>
+      </p:grpSpPr>
+      <p:sp>
+        <p:nvSpPr>
+          <p:cNvPr id="192" name="Google Shape;192;p18">
+            <a:extLst>
+              <a:ext uri="{FF2B5EF4-FFF2-40B4-BE49-F238E27FC236}">
+                <a16:creationId xmlns:a16="http://schemas.microsoft.com/office/drawing/2014/main" id="{6E00B4CC-E126-E915-A534-570C8D959BC0}"/>
+              </a:ext>
+            </a:extLst>
+          </p:cNvPr>
+          <p:cNvSpPr txBox="1">
+            <a:spLocks noGrp="1"/>
+          </p:cNvSpPr>
+          <p:nvPr>
+            <p:ph type="title"/>
+          </p:nvPr>
+        </p:nvSpPr>
+        <p:spPr>
+          <a:xfrm>
+            <a:off x="483675" y="415425"/>
+            <a:ext cx="8203200" cy="481200"/>
+          </a:xfrm>
+          <a:prstGeom prst="rect">
+            <a:avLst/>
+          </a:prstGeom>
+        </p:spPr>
+        <p:txBody>
+          <a:bodyPr spcFirstLastPara="1" wrap="square" lIns="91425" tIns="91425" rIns="91425" bIns="91425" anchor="ctr" anchorCtr="0">
+            <a:noAutofit/>
+          </a:bodyPr>
+          <a:lstStyle/>
+          <a:p>
+            <a:pPr marL="0" lvl="0" indent="0" algn="ctr" rtl="0">
+              <a:spcBef>
+                <a:spcPts val="0"/>
+              </a:spcBef>
+              <a:spcAft>
+                <a:spcPts val="0"/>
+              </a:spcAft>
+              <a:buNone/>
+            </a:pPr>
+            <a:r>
+              <a:rPr lang="en" dirty="0">
+                <a:solidFill>
+                  <a:schemeClr val="dk1"/>
+                </a:solidFill>
+              </a:rPr>
+              <a:t>Problem Definition</a:t>
+            </a:r>
+            <a:endParaRPr dirty="0"/>
+          </a:p>
+        </p:txBody>
+      </p:sp>
+      <p:sp>
+        <p:nvSpPr>
+          <p:cNvPr id="236" name="Google Shape;236;p18">
+            <a:extLst>
+              <a:ext uri="{FF2B5EF4-FFF2-40B4-BE49-F238E27FC236}">
+                <a16:creationId xmlns:a16="http://schemas.microsoft.com/office/drawing/2014/main" id="{8BDC34F6-D5CE-382E-B483-6C2B7CDEBEB6}"/>
+              </a:ext>
+            </a:extLst>
+          </p:cNvPr>
+          <p:cNvSpPr txBox="1"/>
+          <p:nvPr/>
+        </p:nvSpPr>
+        <p:spPr>
+          <a:xfrm>
+            <a:off x="754663" y="1127162"/>
+            <a:ext cx="7549365" cy="2188967"/>
+          </a:xfrm>
+          <a:prstGeom prst="rect">
+            <a:avLst/>
+          </a:prstGeom>
+          <a:noFill/>
+          <a:ln>
+            <a:noFill/>
+          </a:ln>
+        </p:spPr>
+        <p:txBody>
+          <a:bodyPr spcFirstLastPara="1" wrap="square" lIns="91425" tIns="91425" rIns="91425" bIns="91425" anchor="ctr" anchorCtr="0">
+            <a:noAutofit/>
+          </a:bodyPr>
+          <a:lstStyle/>
+          <a:p>
+            <a:pPr marL="171450" lvl="0" indent="-171450" rtl="0">
+              <a:spcBef>
+                <a:spcPts val="0"/>
+              </a:spcBef>
+              <a:spcAft>
+                <a:spcPts val="0"/>
+              </a:spcAft>
+              <a:buFontTx/>
+              <a:buChar char="-"/>
+            </a:pPr>
+            <a:r>
+              <a:rPr lang="en-US" sz="1800" dirty="0">
+                <a:solidFill>
+                  <a:srgbClr val="434343"/>
+                </a:solidFill>
+                <a:latin typeface="Roboto"/>
+                <a:ea typeface="Roboto"/>
+                <a:cs typeface="Roboto"/>
+                <a:sym typeface="Roboto"/>
+              </a:rPr>
+              <a:t>Road safety is a critical concern, and understanding accident patterns can help cities improve traffic management and reduce accident rates. </a:t>
+            </a:r>
+          </a:p>
+          <a:p>
+            <a:pPr marL="171450" lvl="0" indent="-171450" rtl="0">
+              <a:spcBef>
+                <a:spcPts val="0"/>
+              </a:spcBef>
+              <a:spcAft>
+                <a:spcPts val="0"/>
+              </a:spcAft>
+              <a:buFontTx/>
+              <a:buChar char="-"/>
+            </a:pPr>
+            <a:r>
+              <a:rPr lang="en-US" sz="1800" dirty="0">
+                <a:solidFill>
+                  <a:srgbClr val="434343"/>
+                </a:solidFill>
+                <a:latin typeface="Roboto"/>
+                <a:ea typeface="Roboto"/>
+                <a:cs typeface="Roboto"/>
+                <a:sym typeface="Roboto"/>
+              </a:rPr>
+              <a:t>This project aims to analyze accident data to identify high-risk locations, contributing factors, and potential mitigation strategies. </a:t>
+            </a:r>
+          </a:p>
+          <a:p>
+            <a:pPr marL="171450" lvl="0" indent="-171450" rtl="0">
+              <a:spcBef>
+                <a:spcPts val="0"/>
+              </a:spcBef>
+              <a:spcAft>
+                <a:spcPts val="0"/>
+              </a:spcAft>
+              <a:buFontTx/>
+              <a:buChar char="-"/>
+            </a:pPr>
+            <a:r>
+              <a:rPr lang="en-US" sz="1800" dirty="0">
+                <a:solidFill>
+                  <a:srgbClr val="434343"/>
+                </a:solidFill>
+                <a:latin typeface="Roboto"/>
+                <a:ea typeface="Roboto"/>
+                <a:cs typeface="Roboto"/>
+                <a:sym typeface="Roboto"/>
+              </a:rPr>
+              <a:t>By leveraging big data processing, we will extract valuable insights for transportation authorities and urban planners.</a:t>
+            </a:r>
+          </a:p>
+        </p:txBody>
+      </p:sp>
+    </p:spTree>
+    <p:extLst>
+      <p:ext uri="{BB962C8B-B14F-4D97-AF65-F5344CB8AC3E}">
+        <p14:creationId xmlns:p14="http://schemas.microsoft.com/office/powerpoint/2010/main" val="1973201517"/>
+      </p:ext>
+    </p:extLst>
+  </p:cSld>
+  <p:clrMapOvr>
+    <a:masterClrMapping/>
+  </p:clrMapOvr>
+</p:sld>
+</file>
+
+<file path=ppt/slides/slide20.xml><?xml version="1.0" encoding="utf-8"?>
 <p:sld xmlns:a="http://schemas.openxmlformats.org/drawingml/2006/main" xmlns:r="http://schemas.openxmlformats.org/officeDocument/2006/relationships" xmlns:p="http://schemas.openxmlformats.org/presentationml/2006/main">
   <p:cSld>
     <p:spTree>
@@ -28054,7 +27430,7 @@
 </p:sld>
 </file>
 
-<file path=ppt/slides/slide23.xml><?xml version="1.0" encoding="utf-8"?>
+<file path=ppt/slides/slide21.xml><?xml version="1.0" encoding="utf-8"?>
 <p:sld xmlns:a="http://schemas.openxmlformats.org/drawingml/2006/main" xmlns:r="http://schemas.openxmlformats.org/officeDocument/2006/relationships" xmlns:p="http://schemas.openxmlformats.org/presentationml/2006/main">
   <p:cSld>
     <p:spTree>
@@ -28185,7 +27561,7 @@
 </p:sld>
 </file>
 
-<file path=ppt/slides/slide24.xml><?xml version="1.0" encoding="utf-8"?>
+<file path=ppt/slides/slide22.xml><?xml version="1.0" encoding="utf-8"?>
 <p:sld xmlns:a="http://schemas.openxmlformats.org/drawingml/2006/main" xmlns:r="http://schemas.openxmlformats.org/officeDocument/2006/relationships" xmlns:p="http://schemas.openxmlformats.org/presentationml/2006/main">
   <p:cSld>
     <p:spTree>
@@ -28309,7 +27685,7 @@
 </p:sld>
 </file>
 
-<file path=ppt/slides/slide25.xml><?xml version="1.0" encoding="utf-8"?>
+<file path=ppt/slides/slide23.xml><?xml version="1.0" encoding="utf-8"?>
 <p:sld xmlns:a="http://schemas.openxmlformats.org/drawingml/2006/main" xmlns:r="http://schemas.openxmlformats.org/officeDocument/2006/relationships" xmlns:p="http://schemas.openxmlformats.org/presentationml/2006/main">
   <p:cSld>
     <p:bg>
@@ -28646,7 +28022,7 @@
 </p:sld>
 </file>
 
-<file path=ppt/slides/slide26.xml><?xml version="1.0" encoding="utf-8"?>
+<file path=ppt/slides/slide24.xml><?xml version="1.0" encoding="utf-8"?>
 <p:sld xmlns:a="http://schemas.openxmlformats.org/drawingml/2006/main" xmlns:r="http://schemas.openxmlformats.org/officeDocument/2006/relationships" xmlns:p="http://schemas.openxmlformats.org/presentationml/2006/main">
   <p:cSld>
     <p:spTree>
@@ -28777,7 +28153,7 @@
 </p:sld>
 </file>
 
-<file path=ppt/slides/slide27.xml><?xml version="1.0" encoding="utf-8"?>
+<file path=ppt/slides/slide25.xml><?xml version="1.0" encoding="utf-8"?>
 <p:sld xmlns:a="http://schemas.openxmlformats.org/drawingml/2006/main" xmlns:r="http://schemas.openxmlformats.org/officeDocument/2006/relationships" xmlns:p="http://schemas.openxmlformats.org/presentationml/2006/main">
   <p:cSld>
     <p:spTree>
@@ -28901,7 +28277,7 @@
 </p:sld>
 </file>
 
-<file path=ppt/slides/slide28.xml><?xml version="1.0" encoding="utf-8"?>
+<file path=ppt/slides/slide26.xml><?xml version="1.0" encoding="utf-8"?>
 <p:sld xmlns:a="http://schemas.openxmlformats.org/drawingml/2006/main" xmlns:r="http://schemas.openxmlformats.org/officeDocument/2006/relationships" xmlns:p="http://schemas.openxmlformats.org/presentationml/2006/main">
   <p:cSld>
     <p:spTree>
@@ -29025,7 +28401,7 @@
 </p:sld>
 </file>
 
-<file path=ppt/slides/slide29.xml><?xml version="1.0" encoding="utf-8"?>
+<file path=ppt/slides/slide27.xml><?xml version="1.0" encoding="utf-8"?>
 <p:sld xmlns:a="http://schemas.openxmlformats.org/drawingml/2006/main" xmlns:r="http://schemas.openxmlformats.org/officeDocument/2006/relationships" xmlns:p="http://schemas.openxmlformats.org/presentationml/2006/main">
   <p:cSld>
     <p:bg>
@@ -29362,259 +28738,7 @@
 </p:sld>
 </file>
 
-<file path=ppt/slides/slide3.xml><?xml version="1.0" encoding="utf-8"?>
-<p:sld xmlns:a="http://schemas.openxmlformats.org/drawingml/2006/main" xmlns:r="http://schemas.openxmlformats.org/officeDocument/2006/relationships" xmlns:p="http://schemas.openxmlformats.org/presentationml/2006/main">
-  <p:cSld>
-    <p:spTree>
-      <p:nvGrpSpPr>
-        <p:cNvPr id="1" name="Shape 180">
-          <a:extLst>
-            <a:ext uri="{FF2B5EF4-FFF2-40B4-BE49-F238E27FC236}">
-              <a16:creationId xmlns:a16="http://schemas.microsoft.com/office/drawing/2014/main" id="{2995D53E-71CB-3380-C82E-B05817A95606}"/>
-            </a:ext>
-          </a:extLst>
-        </p:cNvPr>
-        <p:cNvGrpSpPr/>
-        <p:nvPr/>
-      </p:nvGrpSpPr>
-      <p:grpSpPr>
-        <a:xfrm>
-          <a:off x="0" y="0"/>
-          <a:ext cx="0" cy="0"/>
-          <a:chOff x="0" y="0"/>
-          <a:chExt cx="0" cy="0"/>
-        </a:xfrm>
-      </p:grpSpPr>
-      <p:sp>
-        <p:nvSpPr>
-          <p:cNvPr id="192" name="Google Shape;192;p18">
-            <a:extLst>
-              <a:ext uri="{FF2B5EF4-FFF2-40B4-BE49-F238E27FC236}">
-                <a16:creationId xmlns:a16="http://schemas.microsoft.com/office/drawing/2014/main" id="{A73EFB93-7913-ADD8-560A-B146FFA631E7}"/>
-              </a:ext>
-            </a:extLst>
-          </p:cNvPr>
-          <p:cNvSpPr txBox="1">
-            <a:spLocks noGrp="1"/>
-          </p:cNvSpPr>
-          <p:nvPr>
-            <p:ph type="title"/>
-          </p:nvPr>
-        </p:nvSpPr>
-        <p:spPr>
-          <a:xfrm>
-            <a:off x="483675" y="415425"/>
-            <a:ext cx="8203200" cy="481200"/>
-          </a:xfrm>
-          <a:prstGeom prst="rect">
-            <a:avLst/>
-          </a:prstGeom>
-        </p:spPr>
-        <p:txBody>
-          <a:bodyPr spcFirstLastPara="1" wrap="square" lIns="91425" tIns="91425" rIns="91425" bIns="91425" anchor="ctr" anchorCtr="0">
-            <a:noAutofit/>
-          </a:bodyPr>
-          <a:lstStyle/>
-          <a:p>
-            <a:pPr marL="0" lvl="0" indent="0" algn="ctr" rtl="0">
-              <a:spcBef>
-                <a:spcPts val="0"/>
-              </a:spcBef>
-              <a:spcAft>
-                <a:spcPts val="0"/>
-              </a:spcAft>
-              <a:buNone/>
-            </a:pPr>
-            <a:r>
-              <a:rPr lang="en" dirty="0">
-                <a:solidFill>
-                  <a:schemeClr val="dk1"/>
-                </a:solidFill>
-              </a:rPr>
-              <a:t>From Data to Insights</a:t>
-            </a:r>
-            <a:endParaRPr dirty="0"/>
-          </a:p>
-        </p:txBody>
-      </p:sp>
-      <p:sp>
-        <p:nvSpPr>
-          <p:cNvPr id="236" name="Google Shape;236;p18">
-            <a:extLst>
-              <a:ext uri="{FF2B5EF4-FFF2-40B4-BE49-F238E27FC236}">
-                <a16:creationId xmlns:a16="http://schemas.microsoft.com/office/drawing/2014/main" id="{62EE1213-75EB-6E85-584C-BC6D62D6FC29}"/>
-              </a:ext>
-            </a:extLst>
-          </p:cNvPr>
-          <p:cNvSpPr txBox="1"/>
-          <p:nvPr/>
-        </p:nvSpPr>
-        <p:spPr>
-          <a:xfrm>
-            <a:off x="749347" y="1127162"/>
-            <a:ext cx="7549365" cy="2188967"/>
-          </a:xfrm>
-          <a:prstGeom prst="rect">
-            <a:avLst/>
-          </a:prstGeom>
-          <a:noFill/>
-          <a:ln>
-            <a:noFill/>
-          </a:ln>
-        </p:spPr>
-        <p:txBody>
-          <a:bodyPr spcFirstLastPara="1" wrap="square" lIns="91425" tIns="91425" rIns="91425" bIns="91425" anchor="ctr" anchorCtr="0">
-            <a:noAutofit/>
-          </a:bodyPr>
-          <a:lstStyle/>
-          <a:p>
-            <a:pPr marL="171450" lvl="0" indent="-171450" rtl="0">
-              <a:spcBef>
-                <a:spcPts val="0"/>
-              </a:spcBef>
-              <a:spcAft>
-                <a:spcPts val="0"/>
-              </a:spcAft>
-              <a:buFontTx/>
-              <a:buChar char="-"/>
-            </a:pPr>
-            <a:r>
-              <a:rPr lang="en-US" sz="2000" b="1" dirty="0">
-                <a:solidFill>
-                  <a:srgbClr val="434343"/>
-                </a:solidFill>
-                <a:latin typeface="Roboto"/>
-                <a:ea typeface="Roboto"/>
-                <a:cs typeface="Roboto"/>
-                <a:sym typeface="Roboto"/>
-              </a:rPr>
-              <a:t>Data Exploration </a:t>
-            </a:r>
-          </a:p>
-          <a:p>
-            <a:pPr marL="171450" lvl="0" indent="-171450" rtl="0">
-              <a:spcBef>
-                <a:spcPts val="0"/>
-              </a:spcBef>
-              <a:spcAft>
-                <a:spcPts val="0"/>
-              </a:spcAft>
-              <a:buFontTx/>
-              <a:buChar char="-"/>
-            </a:pPr>
-            <a:r>
-              <a:rPr lang="en-US" sz="2000" b="1" dirty="0">
-                <a:solidFill>
-                  <a:srgbClr val="434343"/>
-                </a:solidFill>
-                <a:latin typeface="Roboto"/>
-                <a:ea typeface="Roboto"/>
-                <a:cs typeface="Roboto"/>
-                <a:sym typeface="Roboto"/>
-              </a:rPr>
-              <a:t>Data Visualization </a:t>
-            </a:r>
-          </a:p>
-          <a:p>
-            <a:pPr marL="171450" lvl="8" indent="-171450">
-              <a:buFontTx/>
-              <a:buChar char="-"/>
-            </a:pPr>
-            <a:r>
-              <a:rPr lang="en-US" sz="2000" b="1" dirty="0">
-                <a:solidFill>
-                  <a:srgbClr val="434343"/>
-                </a:solidFill>
-                <a:latin typeface="Roboto"/>
-                <a:ea typeface="Roboto"/>
-                <a:cs typeface="Roboto"/>
-                <a:sym typeface="Roboto"/>
-              </a:rPr>
-              <a:t>Data Cleaning </a:t>
-            </a:r>
-          </a:p>
-          <a:p>
-            <a:pPr marL="171450" lvl="4" indent="-171450">
-              <a:buFontTx/>
-              <a:buChar char="-"/>
-            </a:pPr>
-            <a:r>
-              <a:rPr lang="en-US" sz="2000" b="1" dirty="0">
-                <a:solidFill>
-                  <a:srgbClr val="434343"/>
-                </a:solidFill>
-                <a:latin typeface="Roboto"/>
-                <a:ea typeface="Roboto"/>
-                <a:cs typeface="Roboto"/>
-                <a:sym typeface="Roboto"/>
-              </a:rPr>
-              <a:t>Feature Engineering </a:t>
-            </a:r>
-          </a:p>
-          <a:p>
-            <a:pPr marL="171450" lvl="0" indent="-171450" rtl="0">
-              <a:spcBef>
-                <a:spcPts val="0"/>
-              </a:spcBef>
-              <a:spcAft>
-                <a:spcPts val="0"/>
-              </a:spcAft>
-              <a:buFontTx/>
-              <a:buChar char="-"/>
-            </a:pPr>
-            <a:r>
-              <a:rPr lang="en-US" sz="2000" b="1" dirty="0">
-                <a:solidFill>
-                  <a:srgbClr val="434343"/>
-                </a:solidFill>
-                <a:latin typeface="Roboto"/>
-                <a:ea typeface="Roboto"/>
-                <a:cs typeface="Roboto"/>
-                <a:sym typeface="Roboto"/>
-              </a:rPr>
-              <a:t>Aggregation or using models </a:t>
-            </a:r>
-          </a:p>
-          <a:p>
-            <a:pPr marL="171450" lvl="0" indent="-171450" rtl="0">
-              <a:spcBef>
-                <a:spcPts val="0"/>
-              </a:spcBef>
-              <a:spcAft>
-                <a:spcPts val="0"/>
-              </a:spcAft>
-              <a:buFontTx/>
-              <a:buChar char="-"/>
-            </a:pPr>
-            <a:r>
-              <a:rPr lang="en-US" sz="2000" b="1" dirty="0">
-                <a:solidFill>
-                  <a:srgbClr val="434343"/>
-                </a:solidFill>
-                <a:latin typeface="Roboto"/>
-                <a:ea typeface="Roboto"/>
-                <a:cs typeface="Roboto"/>
-                <a:sym typeface="Roboto"/>
-              </a:rPr>
-              <a:t>Visualizing &amp; Extracting Insights </a:t>
-            </a:r>
-          </a:p>
-        </p:txBody>
-      </p:sp>
-    </p:spTree>
-    <p:extLst>
-      <p:ext uri="{BB962C8B-B14F-4D97-AF65-F5344CB8AC3E}">
-        <p14:creationId xmlns:p14="http://schemas.microsoft.com/office/powerpoint/2010/main" val="3591005655"/>
-      </p:ext>
-    </p:extLst>
-  </p:cSld>
-  <p:clrMapOvr>
-    <a:masterClrMapping/>
-  </p:clrMapOvr>
-</p:sld>
-</file>
-
-<file path=ppt/slides/slide30.xml><?xml version="1.0" encoding="utf-8"?>
+<file path=ppt/slides/slide28.xml><?xml version="1.0" encoding="utf-8"?>
 <p:sld xmlns:a="http://schemas.openxmlformats.org/drawingml/2006/main" xmlns:r="http://schemas.openxmlformats.org/officeDocument/2006/relationships" xmlns:p="http://schemas.openxmlformats.org/presentationml/2006/main">
   <p:cSld>
     <p:spTree>
@@ -29737,7 +28861,7 @@
 </p:sld>
 </file>
 
-<file path=ppt/slides/slide31.xml><?xml version="1.0" encoding="utf-8"?>
+<file path=ppt/slides/slide29.xml><?xml version="1.0" encoding="utf-8"?>
 <p:sld xmlns:a="http://schemas.openxmlformats.org/drawingml/2006/main" xmlns:r="http://schemas.openxmlformats.org/officeDocument/2006/relationships" xmlns:p="http://schemas.openxmlformats.org/presentationml/2006/main">
   <p:cSld>
     <p:spTree>
@@ -29860,7 +28984,259 @@
 </p:sld>
 </file>
 
-<file path=ppt/slides/slide32.xml><?xml version="1.0" encoding="utf-8"?>
+<file path=ppt/slides/slide3.xml><?xml version="1.0" encoding="utf-8"?>
+<p:sld xmlns:a="http://schemas.openxmlformats.org/drawingml/2006/main" xmlns:r="http://schemas.openxmlformats.org/officeDocument/2006/relationships" xmlns:p="http://schemas.openxmlformats.org/presentationml/2006/main">
+  <p:cSld>
+    <p:spTree>
+      <p:nvGrpSpPr>
+        <p:cNvPr id="1" name="Shape 180">
+          <a:extLst>
+            <a:ext uri="{FF2B5EF4-FFF2-40B4-BE49-F238E27FC236}">
+              <a16:creationId xmlns:a16="http://schemas.microsoft.com/office/drawing/2014/main" id="{2995D53E-71CB-3380-C82E-B05817A95606}"/>
+            </a:ext>
+          </a:extLst>
+        </p:cNvPr>
+        <p:cNvGrpSpPr/>
+        <p:nvPr/>
+      </p:nvGrpSpPr>
+      <p:grpSpPr>
+        <a:xfrm>
+          <a:off x="0" y="0"/>
+          <a:ext cx="0" cy="0"/>
+          <a:chOff x="0" y="0"/>
+          <a:chExt cx="0" cy="0"/>
+        </a:xfrm>
+      </p:grpSpPr>
+      <p:sp>
+        <p:nvSpPr>
+          <p:cNvPr id="192" name="Google Shape;192;p18">
+            <a:extLst>
+              <a:ext uri="{FF2B5EF4-FFF2-40B4-BE49-F238E27FC236}">
+                <a16:creationId xmlns:a16="http://schemas.microsoft.com/office/drawing/2014/main" id="{A73EFB93-7913-ADD8-560A-B146FFA631E7}"/>
+              </a:ext>
+            </a:extLst>
+          </p:cNvPr>
+          <p:cNvSpPr txBox="1">
+            <a:spLocks noGrp="1"/>
+          </p:cNvSpPr>
+          <p:nvPr>
+            <p:ph type="title"/>
+          </p:nvPr>
+        </p:nvSpPr>
+        <p:spPr>
+          <a:xfrm>
+            <a:off x="483675" y="415425"/>
+            <a:ext cx="8203200" cy="481200"/>
+          </a:xfrm>
+          <a:prstGeom prst="rect">
+            <a:avLst/>
+          </a:prstGeom>
+        </p:spPr>
+        <p:txBody>
+          <a:bodyPr spcFirstLastPara="1" wrap="square" lIns="91425" tIns="91425" rIns="91425" bIns="91425" anchor="ctr" anchorCtr="0">
+            <a:noAutofit/>
+          </a:bodyPr>
+          <a:lstStyle/>
+          <a:p>
+            <a:pPr marL="0" lvl="0" indent="0" algn="ctr" rtl="0">
+              <a:spcBef>
+                <a:spcPts val="0"/>
+              </a:spcBef>
+              <a:spcAft>
+                <a:spcPts val="0"/>
+              </a:spcAft>
+              <a:buNone/>
+            </a:pPr>
+            <a:r>
+              <a:rPr lang="en" dirty="0">
+                <a:solidFill>
+                  <a:schemeClr val="dk1"/>
+                </a:solidFill>
+              </a:rPr>
+              <a:t>From Data to Insights</a:t>
+            </a:r>
+            <a:endParaRPr dirty="0"/>
+          </a:p>
+        </p:txBody>
+      </p:sp>
+      <p:sp>
+        <p:nvSpPr>
+          <p:cNvPr id="236" name="Google Shape;236;p18">
+            <a:extLst>
+              <a:ext uri="{FF2B5EF4-FFF2-40B4-BE49-F238E27FC236}">
+                <a16:creationId xmlns:a16="http://schemas.microsoft.com/office/drawing/2014/main" id="{62EE1213-75EB-6E85-584C-BC6D62D6FC29}"/>
+              </a:ext>
+            </a:extLst>
+          </p:cNvPr>
+          <p:cNvSpPr txBox="1"/>
+          <p:nvPr/>
+        </p:nvSpPr>
+        <p:spPr>
+          <a:xfrm>
+            <a:off x="749347" y="1127162"/>
+            <a:ext cx="7549365" cy="2188967"/>
+          </a:xfrm>
+          <a:prstGeom prst="rect">
+            <a:avLst/>
+          </a:prstGeom>
+          <a:noFill/>
+          <a:ln>
+            <a:noFill/>
+          </a:ln>
+        </p:spPr>
+        <p:txBody>
+          <a:bodyPr spcFirstLastPara="1" wrap="square" lIns="91425" tIns="91425" rIns="91425" bIns="91425" anchor="ctr" anchorCtr="0">
+            <a:noAutofit/>
+          </a:bodyPr>
+          <a:lstStyle/>
+          <a:p>
+            <a:pPr marL="171450" lvl="0" indent="-171450" rtl="0">
+              <a:spcBef>
+                <a:spcPts val="0"/>
+              </a:spcBef>
+              <a:spcAft>
+                <a:spcPts val="0"/>
+              </a:spcAft>
+              <a:buFontTx/>
+              <a:buChar char="-"/>
+            </a:pPr>
+            <a:r>
+              <a:rPr lang="en-US" sz="2000" b="1" dirty="0">
+                <a:solidFill>
+                  <a:srgbClr val="434343"/>
+                </a:solidFill>
+                <a:latin typeface="Roboto"/>
+                <a:ea typeface="Roboto"/>
+                <a:cs typeface="Roboto"/>
+                <a:sym typeface="Roboto"/>
+              </a:rPr>
+              <a:t>Data Exploration </a:t>
+            </a:r>
+          </a:p>
+          <a:p>
+            <a:pPr marL="171450" lvl="0" indent="-171450" rtl="0">
+              <a:spcBef>
+                <a:spcPts val="0"/>
+              </a:spcBef>
+              <a:spcAft>
+                <a:spcPts val="0"/>
+              </a:spcAft>
+              <a:buFontTx/>
+              <a:buChar char="-"/>
+            </a:pPr>
+            <a:r>
+              <a:rPr lang="en-US" sz="2000" b="1" dirty="0">
+                <a:solidFill>
+                  <a:srgbClr val="434343"/>
+                </a:solidFill>
+                <a:latin typeface="Roboto"/>
+                <a:ea typeface="Roboto"/>
+                <a:cs typeface="Roboto"/>
+                <a:sym typeface="Roboto"/>
+              </a:rPr>
+              <a:t>Data Visualization </a:t>
+            </a:r>
+          </a:p>
+          <a:p>
+            <a:pPr marL="171450" lvl="8" indent="-171450">
+              <a:buFontTx/>
+              <a:buChar char="-"/>
+            </a:pPr>
+            <a:r>
+              <a:rPr lang="en-US" sz="2000" b="1" dirty="0">
+                <a:solidFill>
+                  <a:srgbClr val="434343"/>
+                </a:solidFill>
+                <a:latin typeface="Roboto"/>
+                <a:ea typeface="Roboto"/>
+                <a:cs typeface="Roboto"/>
+                <a:sym typeface="Roboto"/>
+              </a:rPr>
+              <a:t>Data Cleaning </a:t>
+            </a:r>
+          </a:p>
+          <a:p>
+            <a:pPr marL="171450" lvl="4" indent="-171450">
+              <a:buFontTx/>
+              <a:buChar char="-"/>
+            </a:pPr>
+            <a:r>
+              <a:rPr lang="en-US" sz="2000" b="1" dirty="0">
+                <a:solidFill>
+                  <a:srgbClr val="434343"/>
+                </a:solidFill>
+                <a:latin typeface="Roboto"/>
+                <a:ea typeface="Roboto"/>
+                <a:cs typeface="Roboto"/>
+                <a:sym typeface="Roboto"/>
+              </a:rPr>
+              <a:t>Feature Engineering </a:t>
+            </a:r>
+          </a:p>
+          <a:p>
+            <a:pPr marL="171450" lvl="0" indent="-171450" rtl="0">
+              <a:spcBef>
+                <a:spcPts val="0"/>
+              </a:spcBef>
+              <a:spcAft>
+                <a:spcPts val="0"/>
+              </a:spcAft>
+              <a:buFontTx/>
+              <a:buChar char="-"/>
+            </a:pPr>
+            <a:r>
+              <a:rPr lang="en-US" sz="2000" b="1" dirty="0">
+                <a:solidFill>
+                  <a:srgbClr val="434343"/>
+                </a:solidFill>
+                <a:latin typeface="Roboto"/>
+                <a:ea typeface="Roboto"/>
+                <a:cs typeface="Roboto"/>
+                <a:sym typeface="Roboto"/>
+              </a:rPr>
+              <a:t>Aggregation or using models </a:t>
+            </a:r>
+          </a:p>
+          <a:p>
+            <a:pPr marL="171450" lvl="0" indent="-171450" rtl="0">
+              <a:spcBef>
+                <a:spcPts val="0"/>
+              </a:spcBef>
+              <a:spcAft>
+                <a:spcPts val="0"/>
+              </a:spcAft>
+              <a:buFontTx/>
+              <a:buChar char="-"/>
+            </a:pPr>
+            <a:r>
+              <a:rPr lang="en-US" sz="2000" b="1" dirty="0">
+                <a:solidFill>
+                  <a:srgbClr val="434343"/>
+                </a:solidFill>
+                <a:latin typeface="Roboto"/>
+                <a:ea typeface="Roboto"/>
+                <a:cs typeface="Roboto"/>
+                <a:sym typeface="Roboto"/>
+              </a:rPr>
+              <a:t>Visualizing &amp; Extracting Insights </a:t>
+            </a:r>
+          </a:p>
+        </p:txBody>
+      </p:sp>
+    </p:spTree>
+    <p:extLst>
+      <p:ext uri="{BB962C8B-B14F-4D97-AF65-F5344CB8AC3E}">
+        <p14:creationId xmlns:p14="http://schemas.microsoft.com/office/powerpoint/2010/main" val="3591005655"/>
+      </p:ext>
+    </p:extLst>
+  </p:cSld>
+  <p:clrMapOvr>
+    <a:masterClrMapping/>
+  </p:clrMapOvr>
+</p:sld>
+</file>
+
+<file path=ppt/slides/slide30.xml><?xml version="1.0" encoding="utf-8"?>
 <p:sld xmlns:a="http://schemas.openxmlformats.org/drawingml/2006/main" xmlns:r="http://schemas.openxmlformats.org/officeDocument/2006/relationships" xmlns:p="http://schemas.openxmlformats.org/presentationml/2006/main">
   <p:cSld>
     <p:spTree>
@@ -29979,7 +29355,7 @@
 </p:sld>
 </file>
 
-<file path=ppt/slides/slide33.xml><?xml version="1.0" encoding="utf-8"?>
+<file path=ppt/slides/slide31.xml><?xml version="1.0" encoding="utf-8"?>
 <p:sld xmlns:a="http://schemas.openxmlformats.org/drawingml/2006/main" xmlns:r="http://schemas.openxmlformats.org/officeDocument/2006/relationships" xmlns:p="http://schemas.openxmlformats.org/presentationml/2006/main">
   <p:cSld>
     <p:spTree>
@@ -30092,7 +29468,7 @@
 </p:sld>
 </file>
 
-<file path=ppt/slides/slide34.xml><?xml version="1.0" encoding="utf-8"?>
+<file path=ppt/slides/slide32.xml><?xml version="1.0" encoding="utf-8"?>
 <p:sld xmlns:a="http://schemas.openxmlformats.org/drawingml/2006/main" xmlns:r="http://schemas.openxmlformats.org/officeDocument/2006/relationships" xmlns:p="http://schemas.openxmlformats.org/presentationml/2006/main">
   <p:cSld>
     <p:bg>
@@ -30429,7 +29805,7 @@
 </p:sld>
 </file>
 
-<file path=ppt/slides/slide35.xml><?xml version="1.0" encoding="utf-8"?>
+<file path=ppt/slides/slide33.xml><?xml version="1.0" encoding="utf-8"?>
 <p:sld xmlns:a="http://schemas.openxmlformats.org/drawingml/2006/main" xmlns:r="http://schemas.openxmlformats.org/officeDocument/2006/relationships" xmlns:p="http://schemas.openxmlformats.org/presentationml/2006/main">
   <p:cSld>
     <p:spTree>
@@ -30520,7 +29896,7 @@
 </p:sld>
 </file>
 
-<file path=ppt/slides/slide36.xml><?xml version="1.0" encoding="utf-8"?>
+<file path=ppt/slides/slide34.xml><?xml version="1.0" encoding="utf-8"?>
 <p:sld xmlns:a="http://schemas.openxmlformats.org/drawingml/2006/main" xmlns:r="http://schemas.openxmlformats.org/officeDocument/2006/relationships" xmlns:p="http://schemas.openxmlformats.org/presentationml/2006/main">
   <p:cSld>
     <p:spTree>
@@ -30611,7 +29987,7 @@
 </p:sld>
 </file>
 
-<file path=ppt/slides/slide37.xml><?xml version="1.0" encoding="utf-8"?>
+<file path=ppt/slides/slide35.xml><?xml version="1.0" encoding="utf-8"?>
 <p:sld xmlns:a="http://schemas.openxmlformats.org/drawingml/2006/main" xmlns:r="http://schemas.openxmlformats.org/officeDocument/2006/relationships" xmlns:p="http://schemas.openxmlformats.org/presentationml/2006/main">
   <p:cSld>
     <p:bg>
@@ -30948,7 +30324,7 @@
 </p:sld>
 </file>
 
-<file path=ppt/slides/slide38.xml><?xml version="1.0" encoding="utf-8"?>
+<file path=ppt/slides/slide36.xml><?xml version="1.0" encoding="utf-8"?>
 <p:sld xmlns:a="http://schemas.openxmlformats.org/drawingml/2006/main" xmlns:r="http://schemas.openxmlformats.org/officeDocument/2006/relationships" xmlns:p="http://schemas.openxmlformats.org/presentationml/2006/main">
   <p:cSld>
     <p:spTree>
@@ -31073,7 +30449,7 @@
 </p:sld>
 </file>
 
-<file path=ppt/slides/slide39.xml><?xml version="1.0" encoding="utf-8"?>
+<file path=ppt/slides/slide37.xml><?xml version="1.0" encoding="utf-8"?>
 <p:sld xmlns:a="http://schemas.openxmlformats.org/drawingml/2006/main" xmlns:r="http://schemas.openxmlformats.org/officeDocument/2006/relationships" xmlns:p="http://schemas.openxmlformats.org/presentationml/2006/main">
   <p:cSld>
     <p:spTree>
@@ -31855,6 +31231,232 @@
 </p:sld>
 </file>
 
+<file path=ppt/slides/slide38.xml><?xml version="1.0" encoding="utf-8"?>
+<p:sld xmlns:a="http://schemas.openxmlformats.org/drawingml/2006/main" xmlns:r="http://schemas.openxmlformats.org/officeDocument/2006/relationships" xmlns:p="http://schemas.openxmlformats.org/presentationml/2006/main">
+  <p:cSld>
+    <p:spTree>
+      <p:nvGrpSpPr>
+        <p:cNvPr id="1" name="Shape 125">
+          <a:extLst>
+            <a:ext uri="{FF2B5EF4-FFF2-40B4-BE49-F238E27FC236}">
+              <a16:creationId xmlns:a16="http://schemas.microsoft.com/office/drawing/2014/main" id="{43B02694-392A-BE28-F0AE-4081F8914093}"/>
+            </a:ext>
+          </a:extLst>
+        </p:cNvPr>
+        <p:cNvGrpSpPr/>
+        <p:nvPr/>
+      </p:nvGrpSpPr>
+      <p:grpSpPr>
+        <a:xfrm>
+          <a:off x="0" y="0"/>
+          <a:ext cx="0" cy="0"/>
+          <a:chOff x="0" y="0"/>
+          <a:chExt cx="0" cy="0"/>
+        </a:xfrm>
+      </p:grpSpPr>
+      <p:sp>
+        <p:nvSpPr>
+          <p:cNvPr id="147" name="Google Shape;147;p17">
+            <a:extLst>
+              <a:ext uri="{FF2B5EF4-FFF2-40B4-BE49-F238E27FC236}">
+                <a16:creationId xmlns:a16="http://schemas.microsoft.com/office/drawing/2014/main" id="{909BB02C-62B0-212D-6E53-977AA327E2AD}"/>
+              </a:ext>
+            </a:extLst>
+          </p:cNvPr>
+          <p:cNvSpPr txBox="1">
+            <a:spLocks noGrp="1"/>
+          </p:cNvSpPr>
+          <p:nvPr>
+            <p:ph type="title"/>
+          </p:nvPr>
+        </p:nvSpPr>
+        <p:spPr>
+          <a:xfrm>
+            <a:off x="483675" y="415425"/>
+            <a:ext cx="8203200" cy="481200"/>
+          </a:xfrm>
+        </p:spPr>
+        <p:txBody>
+          <a:bodyPr spcFirstLastPara="1" wrap="square" lIns="91425" tIns="91425" rIns="91425" bIns="91425" anchor="ctr" anchorCtr="0">
+            <a:normAutofit/>
+          </a:bodyPr>
+          <a:lstStyle/>
+          <a:p>
+            <a:pPr marL="0" lvl="0" indent="0" rtl="0">
+              <a:lnSpc>
+                <a:spcPct val="90000"/>
+              </a:lnSpc>
+              <a:spcBef>
+                <a:spcPts val="0"/>
+              </a:spcBef>
+              <a:spcAft>
+                <a:spcPts val="0"/>
+              </a:spcAft>
+              <a:buNone/>
+            </a:pPr>
+            <a:r>
+              <a:rPr lang="en-US" sz="2000" dirty="0"/>
+              <a:t>Risk Classification for States</a:t>
+            </a:r>
+          </a:p>
+        </p:txBody>
+      </p:sp>
+      <p:pic>
+        <p:nvPicPr>
+          <p:cNvPr id="4" name="Picture 3">
+            <a:extLst>
+              <a:ext uri="{FF2B5EF4-FFF2-40B4-BE49-F238E27FC236}">
+                <a16:creationId xmlns:a16="http://schemas.microsoft.com/office/drawing/2014/main" id="{5406C41E-6159-0931-B48A-39E93DDD7939}"/>
+              </a:ext>
+            </a:extLst>
+          </p:cNvPr>
+          <p:cNvPicPr>
+            <a:picLocks noChangeAspect="1"/>
+          </p:cNvPicPr>
+          <p:nvPr/>
+        </p:nvPicPr>
+        <p:blipFill>
+          <a:blip r:embed="rId3"/>
+          <a:stretch>
+            <a:fillRect/>
+          </a:stretch>
+        </p:blipFill>
+        <p:spPr>
+          <a:xfrm>
+            <a:off x="1849790" y="1017987"/>
+            <a:ext cx="5864016" cy="3644389"/>
+          </a:xfrm>
+          <a:prstGeom prst="rect">
+            <a:avLst/>
+          </a:prstGeom>
+        </p:spPr>
+      </p:pic>
+    </p:spTree>
+    <p:extLst>
+      <p:ext uri="{BB962C8B-B14F-4D97-AF65-F5344CB8AC3E}">
+        <p14:creationId xmlns:p14="http://schemas.microsoft.com/office/powerpoint/2010/main" val="2991427076"/>
+      </p:ext>
+    </p:extLst>
+  </p:cSld>
+  <p:clrMapOvr>
+    <a:masterClrMapping/>
+  </p:clrMapOvr>
+</p:sld>
+</file>
+
+<file path=ppt/slides/slide39.xml><?xml version="1.0" encoding="utf-8"?>
+<p:sld xmlns:a="http://schemas.openxmlformats.org/drawingml/2006/main" xmlns:r="http://schemas.openxmlformats.org/officeDocument/2006/relationships" xmlns:p="http://schemas.openxmlformats.org/presentationml/2006/main">
+  <p:cSld>
+    <p:spTree>
+      <p:nvGrpSpPr>
+        <p:cNvPr id="1" name="Shape 125">
+          <a:extLst>
+            <a:ext uri="{FF2B5EF4-FFF2-40B4-BE49-F238E27FC236}">
+              <a16:creationId xmlns:a16="http://schemas.microsoft.com/office/drawing/2014/main" id="{41E30E55-79A3-A5C3-B0D9-74AB029B6D4D}"/>
+            </a:ext>
+          </a:extLst>
+        </p:cNvPr>
+        <p:cNvGrpSpPr/>
+        <p:nvPr/>
+      </p:nvGrpSpPr>
+      <p:grpSpPr>
+        <a:xfrm>
+          <a:off x="0" y="0"/>
+          <a:ext cx="0" cy="0"/>
+          <a:chOff x="0" y="0"/>
+          <a:chExt cx="0" cy="0"/>
+        </a:xfrm>
+      </p:grpSpPr>
+      <p:sp>
+        <p:nvSpPr>
+          <p:cNvPr id="147" name="Google Shape;147;p17">
+            <a:extLst>
+              <a:ext uri="{FF2B5EF4-FFF2-40B4-BE49-F238E27FC236}">
+                <a16:creationId xmlns:a16="http://schemas.microsoft.com/office/drawing/2014/main" id="{636F3971-E3D3-ACA2-0C8A-C39DD42D88AE}"/>
+              </a:ext>
+            </a:extLst>
+          </p:cNvPr>
+          <p:cNvSpPr txBox="1">
+            <a:spLocks noGrp="1"/>
+          </p:cNvSpPr>
+          <p:nvPr>
+            <p:ph type="title"/>
+          </p:nvPr>
+        </p:nvSpPr>
+        <p:spPr>
+          <a:xfrm>
+            <a:off x="483675" y="415425"/>
+            <a:ext cx="8203200" cy="481200"/>
+          </a:xfrm>
+        </p:spPr>
+        <p:txBody>
+          <a:bodyPr spcFirstLastPara="1" wrap="square" lIns="91425" tIns="91425" rIns="91425" bIns="91425" anchor="ctr" anchorCtr="0">
+            <a:normAutofit/>
+          </a:bodyPr>
+          <a:lstStyle/>
+          <a:p>
+            <a:pPr marL="0" lvl="0" indent="0" rtl="0">
+              <a:lnSpc>
+                <a:spcPct val="90000"/>
+              </a:lnSpc>
+              <a:spcBef>
+                <a:spcPts val="0"/>
+              </a:spcBef>
+              <a:spcAft>
+                <a:spcPts val="0"/>
+              </a:spcAft>
+              <a:buNone/>
+            </a:pPr>
+            <a:r>
+              <a:rPr lang="en-US" sz="2000" dirty="0"/>
+              <a:t>Risk Prediction using Regression</a:t>
+            </a:r>
+          </a:p>
+        </p:txBody>
+      </p:sp>
+      <p:pic>
+        <p:nvPicPr>
+          <p:cNvPr id="3" name="Picture 2">
+            <a:extLst>
+              <a:ext uri="{FF2B5EF4-FFF2-40B4-BE49-F238E27FC236}">
+                <a16:creationId xmlns:a16="http://schemas.microsoft.com/office/drawing/2014/main" id="{E5629175-492D-F1C4-5784-20BB869176CA}"/>
+              </a:ext>
+            </a:extLst>
+          </p:cNvPr>
+          <p:cNvPicPr>
+            <a:picLocks noChangeAspect="1"/>
+          </p:cNvPicPr>
+          <p:nvPr/>
+        </p:nvPicPr>
+        <p:blipFill>
+          <a:blip r:embed="rId3"/>
+          <a:stretch>
+            <a:fillRect/>
+          </a:stretch>
+        </p:blipFill>
+        <p:spPr>
+          <a:xfrm>
+            <a:off x="2673283" y="888727"/>
+            <a:ext cx="4047698" cy="4027081"/>
+          </a:xfrm>
+          <a:prstGeom prst="rect">
+            <a:avLst/>
+          </a:prstGeom>
+        </p:spPr>
+      </p:pic>
+    </p:spTree>
+    <p:extLst>
+      <p:ext uri="{BB962C8B-B14F-4D97-AF65-F5344CB8AC3E}">
+        <p14:creationId xmlns:p14="http://schemas.microsoft.com/office/powerpoint/2010/main" val="3323664690"/>
+      </p:ext>
+    </p:extLst>
+  </p:cSld>
+  <p:clrMapOvr>
+    <a:masterClrMapping/>
+  </p:clrMapOvr>
+</p:sld>
+</file>
+
 <file path=ppt/slides/slide4.xml><?xml version="1.0" encoding="utf-8"?>
 <p:sld xmlns:a="http://schemas.openxmlformats.org/drawingml/2006/main" xmlns:r="http://schemas.openxmlformats.org/officeDocument/2006/relationships" xmlns:p="http://schemas.openxmlformats.org/presentationml/2006/main">
   <p:cSld>
@@ -32193,232 +31795,6 @@
 </file>
 
 <file path=ppt/slides/slide40.xml><?xml version="1.0" encoding="utf-8"?>
-<p:sld xmlns:a="http://schemas.openxmlformats.org/drawingml/2006/main" xmlns:r="http://schemas.openxmlformats.org/officeDocument/2006/relationships" xmlns:p="http://schemas.openxmlformats.org/presentationml/2006/main">
-  <p:cSld>
-    <p:spTree>
-      <p:nvGrpSpPr>
-        <p:cNvPr id="1" name="Shape 125">
-          <a:extLst>
-            <a:ext uri="{FF2B5EF4-FFF2-40B4-BE49-F238E27FC236}">
-              <a16:creationId xmlns:a16="http://schemas.microsoft.com/office/drawing/2014/main" id="{43B02694-392A-BE28-F0AE-4081F8914093}"/>
-            </a:ext>
-          </a:extLst>
-        </p:cNvPr>
-        <p:cNvGrpSpPr/>
-        <p:nvPr/>
-      </p:nvGrpSpPr>
-      <p:grpSpPr>
-        <a:xfrm>
-          <a:off x="0" y="0"/>
-          <a:ext cx="0" cy="0"/>
-          <a:chOff x="0" y="0"/>
-          <a:chExt cx="0" cy="0"/>
-        </a:xfrm>
-      </p:grpSpPr>
-      <p:sp>
-        <p:nvSpPr>
-          <p:cNvPr id="147" name="Google Shape;147;p17">
-            <a:extLst>
-              <a:ext uri="{FF2B5EF4-FFF2-40B4-BE49-F238E27FC236}">
-                <a16:creationId xmlns:a16="http://schemas.microsoft.com/office/drawing/2014/main" id="{909BB02C-62B0-212D-6E53-977AA327E2AD}"/>
-              </a:ext>
-            </a:extLst>
-          </p:cNvPr>
-          <p:cNvSpPr txBox="1">
-            <a:spLocks noGrp="1"/>
-          </p:cNvSpPr>
-          <p:nvPr>
-            <p:ph type="title"/>
-          </p:nvPr>
-        </p:nvSpPr>
-        <p:spPr>
-          <a:xfrm>
-            <a:off x="483675" y="415425"/>
-            <a:ext cx="8203200" cy="481200"/>
-          </a:xfrm>
-        </p:spPr>
-        <p:txBody>
-          <a:bodyPr spcFirstLastPara="1" wrap="square" lIns="91425" tIns="91425" rIns="91425" bIns="91425" anchor="ctr" anchorCtr="0">
-            <a:normAutofit/>
-          </a:bodyPr>
-          <a:lstStyle/>
-          <a:p>
-            <a:pPr marL="0" lvl="0" indent="0" rtl="0">
-              <a:lnSpc>
-                <a:spcPct val="90000"/>
-              </a:lnSpc>
-              <a:spcBef>
-                <a:spcPts val="0"/>
-              </a:spcBef>
-              <a:spcAft>
-                <a:spcPts val="0"/>
-              </a:spcAft>
-              <a:buNone/>
-            </a:pPr>
-            <a:r>
-              <a:rPr lang="en-US" sz="2000" dirty="0"/>
-              <a:t>Risk Classification for States</a:t>
-            </a:r>
-          </a:p>
-        </p:txBody>
-      </p:sp>
-      <p:pic>
-        <p:nvPicPr>
-          <p:cNvPr id="4" name="Picture 3">
-            <a:extLst>
-              <a:ext uri="{FF2B5EF4-FFF2-40B4-BE49-F238E27FC236}">
-                <a16:creationId xmlns:a16="http://schemas.microsoft.com/office/drawing/2014/main" id="{5406C41E-6159-0931-B48A-39E93DDD7939}"/>
-              </a:ext>
-            </a:extLst>
-          </p:cNvPr>
-          <p:cNvPicPr>
-            <a:picLocks noChangeAspect="1"/>
-          </p:cNvPicPr>
-          <p:nvPr/>
-        </p:nvPicPr>
-        <p:blipFill>
-          <a:blip r:embed="rId3"/>
-          <a:stretch>
-            <a:fillRect/>
-          </a:stretch>
-        </p:blipFill>
-        <p:spPr>
-          <a:xfrm>
-            <a:off x="1849790" y="1017987"/>
-            <a:ext cx="5864016" cy="3644389"/>
-          </a:xfrm>
-          <a:prstGeom prst="rect">
-            <a:avLst/>
-          </a:prstGeom>
-        </p:spPr>
-      </p:pic>
-    </p:spTree>
-    <p:extLst>
-      <p:ext uri="{BB962C8B-B14F-4D97-AF65-F5344CB8AC3E}">
-        <p14:creationId xmlns:p14="http://schemas.microsoft.com/office/powerpoint/2010/main" val="2991427076"/>
-      </p:ext>
-    </p:extLst>
-  </p:cSld>
-  <p:clrMapOvr>
-    <a:masterClrMapping/>
-  </p:clrMapOvr>
-</p:sld>
-</file>
-
-<file path=ppt/slides/slide41.xml><?xml version="1.0" encoding="utf-8"?>
-<p:sld xmlns:a="http://schemas.openxmlformats.org/drawingml/2006/main" xmlns:r="http://schemas.openxmlformats.org/officeDocument/2006/relationships" xmlns:p="http://schemas.openxmlformats.org/presentationml/2006/main">
-  <p:cSld>
-    <p:spTree>
-      <p:nvGrpSpPr>
-        <p:cNvPr id="1" name="Shape 125">
-          <a:extLst>
-            <a:ext uri="{FF2B5EF4-FFF2-40B4-BE49-F238E27FC236}">
-              <a16:creationId xmlns:a16="http://schemas.microsoft.com/office/drawing/2014/main" id="{41E30E55-79A3-A5C3-B0D9-74AB029B6D4D}"/>
-            </a:ext>
-          </a:extLst>
-        </p:cNvPr>
-        <p:cNvGrpSpPr/>
-        <p:nvPr/>
-      </p:nvGrpSpPr>
-      <p:grpSpPr>
-        <a:xfrm>
-          <a:off x="0" y="0"/>
-          <a:ext cx="0" cy="0"/>
-          <a:chOff x="0" y="0"/>
-          <a:chExt cx="0" cy="0"/>
-        </a:xfrm>
-      </p:grpSpPr>
-      <p:sp>
-        <p:nvSpPr>
-          <p:cNvPr id="147" name="Google Shape;147;p17">
-            <a:extLst>
-              <a:ext uri="{FF2B5EF4-FFF2-40B4-BE49-F238E27FC236}">
-                <a16:creationId xmlns:a16="http://schemas.microsoft.com/office/drawing/2014/main" id="{636F3971-E3D3-ACA2-0C8A-C39DD42D88AE}"/>
-              </a:ext>
-            </a:extLst>
-          </p:cNvPr>
-          <p:cNvSpPr txBox="1">
-            <a:spLocks noGrp="1"/>
-          </p:cNvSpPr>
-          <p:nvPr>
-            <p:ph type="title"/>
-          </p:nvPr>
-        </p:nvSpPr>
-        <p:spPr>
-          <a:xfrm>
-            <a:off x="483675" y="415425"/>
-            <a:ext cx="8203200" cy="481200"/>
-          </a:xfrm>
-        </p:spPr>
-        <p:txBody>
-          <a:bodyPr spcFirstLastPara="1" wrap="square" lIns="91425" tIns="91425" rIns="91425" bIns="91425" anchor="ctr" anchorCtr="0">
-            <a:normAutofit/>
-          </a:bodyPr>
-          <a:lstStyle/>
-          <a:p>
-            <a:pPr marL="0" lvl="0" indent="0" rtl="0">
-              <a:lnSpc>
-                <a:spcPct val="90000"/>
-              </a:lnSpc>
-              <a:spcBef>
-                <a:spcPts val="0"/>
-              </a:spcBef>
-              <a:spcAft>
-                <a:spcPts val="0"/>
-              </a:spcAft>
-              <a:buNone/>
-            </a:pPr>
-            <a:r>
-              <a:rPr lang="en-US" sz="2000" dirty="0"/>
-              <a:t>Risk Prediction using Regression</a:t>
-            </a:r>
-          </a:p>
-        </p:txBody>
-      </p:sp>
-      <p:pic>
-        <p:nvPicPr>
-          <p:cNvPr id="3" name="Picture 2">
-            <a:extLst>
-              <a:ext uri="{FF2B5EF4-FFF2-40B4-BE49-F238E27FC236}">
-                <a16:creationId xmlns:a16="http://schemas.microsoft.com/office/drawing/2014/main" id="{E5629175-492D-F1C4-5784-20BB869176CA}"/>
-              </a:ext>
-            </a:extLst>
-          </p:cNvPr>
-          <p:cNvPicPr>
-            <a:picLocks noChangeAspect="1"/>
-          </p:cNvPicPr>
-          <p:nvPr/>
-        </p:nvPicPr>
-        <p:blipFill>
-          <a:blip r:embed="rId3"/>
-          <a:stretch>
-            <a:fillRect/>
-          </a:stretch>
-        </p:blipFill>
-        <p:spPr>
-          <a:xfrm>
-            <a:off x="2673283" y="888727"/>
-            <a:ext cx="4047698" cy="4027081"/>
-          </a:xfrm>
-          <a:prstGeom prst="rect">
-            <a:avLst/>
-          </a:prstGeom>
-        </p:spPr>
-      </p:pic>
-    </p:spTree>
-    <p:extLst>
-      <p:ext uri="{BB962C8B-B14F-4D97-AF65-F5344CB8AC3E}">
-        <p14:creationId xmlns:p14="http://schemas.microsoft.com/office/powerpoint/2010/main" val="3323664690"/>
-      </p:ext>
-    </p:extLst>
-  </p:cSld>
-  <p:clrMapOvr>
-    <a:masterClrMapping/>
-  </p:clrMapOvr>
-</p:sld>
-</file>
-
-<file path=ppt/slides/slide42.xml><?xml version="1.0" encoding="utf-8"?>
 <p:sld xmlns:a="http://schemas.openxmlformats.org/drawingml/2006/main" xmlns:r="http://schemas.openxmlformats.org/officeDocument/2006/relationships" xmlns:p="http://schemas.openxmlformats.org/presentationml/2006/main">
   <p:cSld>
     <p:spTree>
@@ -32573,7 +31949,7 @@
 </p:sld>
 </file>
 
-<file path=ppt/slides/slide43.xml><?xml version="1.0" encoding="utf-8"?>
+<file path=ppt/slides/slide41.xml><?xml version="1.0" encoding="utf-8"?>
 <p:sld xmlns:a="http://schemas.openxmlformats.org/drawingml/2006/main" xmlns:r="http://schemas.openxmlformats.org/officeDocument/2006/relationships" xmlns:p="http://schemas.openxmlformats.org/presentationml/2006/main">
   <p:cSld>
     <p:spTree>
